--- a/doc/PSGG Unity Tutorial #1.pptx
+++ b/doc/PSGG Unity Tutorial #1.pptx
@@ -12,8 +12,8 @@
     <p:sldId id="259" r:id="rId3"/>
     <p:sldId id="260" r:id="rId4"/>
     <p:sldId id="257" r:id="rId5"/>
-    <p:sldId id="258" r:id="rId6"/>
-    <p:sldId id="261" r:id="rId7"/>
+    <p:sldId id="278" r:id="rId6"/>
+    <p:sldId id="280" r:id="rId7"/>
     <p:sldId id="262" r:id="rId8"/>
     <p:sldId id="263" r:id="rId9"/>
     <p:sldId id="264" r:id="rId10"/>
@@ -229,7 +229,7 @@
           <a:p>
             <a:fld id="{F007761C-7410-4F01-A7DE-B9242DE89DB4}" type="datetimeFigureOut">
               <a:rPr kumimoji="1" lang="ja-JP" altLang="en-US" smtClean="0"/>
-              <a:t>2018/7/22</a:t>
+              <a:t>2018/8/18</a:t>
             </a:fld>
             <a:endParaRPr kumimoji="1" lang="ja-JP" altLang="en-US"/>
           </a:p>
@@ -791,7 +791,7 @@
           <a:p>
             <a:fld id="{E90ED720-0104-4369-84BC-D37694168613}" type="datetimeFigureOut">
               <a:rPr kumimoji="1" lang="ja-JP" altLang="en-US" smtClean="0"/>
-              <a:t>2018/7/22</a:t>
+              <a:t>2018/8/18</a:t>
             </a:fld>
             <a:endParaRPr kumimoji="1" lang="ja-JP" altLang="en-US"/>
           </a:p>
@@ -986,7 +986,7 @@
           <a:p>
             <a:fld id="{E90ED720-0104-4369-84BC-D37694168613}" type="datetimeFigureOut">
               <a:rPr kumimoji="1" lang="ja-JP" altLang="en-US" smtClean="0"/>
-              <a:t>2018/7/22</a:t>
+              <a:t>2018/8/18</a:t>
             </a:fld>
             <a:endParaRPr kumimoji="1" lang="ja-JP" altLang="en-US"/>
           </a:p>
@@ -1191,7 +1191,7 @@
           <a:p>
             <a:fld id="{E90ED720-0104-4369-84BC-D37694168613}" type="datetimeFigureOut">
               <a:rPr kumimoji="1" lang="ja-JP" altLang="en-US" smtClean="0"/>
-              <a:t>2018/7/22</a:t>
+              <a:t>2018/8/18</a:t>
             </a:fld>
             <a:endParaRPr kumimoji="1" lang="ja-JP" altLang="en-US"/>
           </a:p>
@@ -1386,7 +1386,7 @@
           <a:p>
             <a:fld id="{E90ED720-0104-4369-84BC-D37694168613}" type="datetimeFigureOut">
               <a:rPr kumimoji="1" lang="ja-JP" altLang="en-US" smtClean="0"/>
-              <a:t>2018/7/22</a:t>
+              <a:t>2018/8/18</a:t>
             </a:fld>
             <a:endParaRPr kumimoji="1" lang="ja-JP" altLang="en-US"/>
           </a:p>
@@ -1626,7 +1626,7 @@
           <a:p>
             <a:fld id="{E90ED720-0104-4369-84BC-D37694168613}" type="datetimeFigureOut">
               <a:rPr kumimoji="1" lang="ja-JP" altLang="en-US" smtClean="0"/>
-              <a:t>2018/7/22</a:t>
+              <a:t>2018/8/18</a:t>
             </a:fld>
             <a:endParaRPr kumimoji="1" lang="ja-JP" altLang="en-US"/>
           </a:p>
@@ -1970,7 +1970,7 @@
           <a:p>
             <a:fld id="{E90ED720-0104-4369-84BC-D37694168613}" type="datetimeFigureOut">
               <a:rPr kumimoji="1" lang="ja-JP" altLang="en-US" smtClean="0"/>
-              <a:t>2018/7/22</a:t>
+              <a:t>2018/8/18</a:t>
             </a:fld>
             <a:endParaRPr kumimoji="1" lang="ja-JP" altLang="en-US"/>
           </a:p>
@@ -2448,7 +2448,7 @@
           <a:p>
             <a:fld id="{E90ED720-0104-4369-84BC-D37694168613}" type="datetimeFigureOut">
               <a:rPr kumimoji="1" lang="ja-JP" altLang="en-US" smtClean="0"/>
-              <a:t>2018/7/22</a:t>
+              <a:t>2018/8/18</a:t>
             </a:fld>
             <a:endParaRPr kumimoji="1" lang="ja-JP" altLang="en-US"/>
           </a:p>
@@ -2560,7 +2560,7 @@
           <a:p>
             <a:fld id="{E90ED720-0104-4369-84BC-D37694168613}" type="datetimeFigureOut">
               <a:rPr kumimoji="1" lang="ja-JP" altLang="en-US" smtClean="0"/>
-              <a:t>2018/7/22</a:t>
+              <a:t>2018/8/18</a:t>
             </a:fld>
             <a:endParaRPr kumimoji="1" lang="ja-JP" altLang="en-US"/>
           </a:p>
@@ -2650,7 +2650,7 @@
           <a:p>
             <a:fld id="{E90ED720-0104-4369-84BC-D37694168613}" type="datetimeFigureOut">
               <a:rPr kumimoji="1" lang="ja-JP" altLang="en-US" smtClean="0"/>
-              <a:t>2018/7/22</a:t>
+              <a:t>2018/8/18</a:t>
             </a:fld>
             <a:endParaRPr kumimoji="1" lang="ja-JP" altLang="en-US"/>
           </a:p>
@@ -2952,7 +2952,7 @@
           <a:p>
             <a:fld id="{E90ED720-0104-4369-84BC-D37694168613}" type="datetimeFigureOut">
               <a:rPr kumimoji="1" lang="ja-JP" altLang="en-US" smtClean="0"/>
-              <a:t>2018/7/22</a:t>
+              <a:t>2018/8/18</a:t>
             </a:fld>
             <a:endParaRPr kumimoji="1" lang="ja-JP" altLang="en-US"/>
           </a:p>
@@ -3199,7 +3199,7 @@
           <a:p>
             <a:fld id="{E90ED720-0104-4369-84BC-D37694168613}" type="datetimeFigureOut">
               <a:rPr kumimoji="1" lang="ja-JP" altLang="en-US" smtClean="0"/>
-              <a:t>2018/7/22</a:t>
+              <a:t>2018/8/18</a:t>
             </a:fld>
             <a:endParaRPr kumimoji="1" lang="ja-JP" altLang="en-US"/>
           </a:p>
@@ -3437,7 +3437,7 @@
           <a:p>
             <a:fld id="{E90ED720-0104-4369-84BC-D37694168613}" type="datetimeFigureOut">
               <a:rPr kumimoji="1" lang="ja-JP" altLang="en-US" smtClean="0"/>
-              <a:t>2018/7/22</a:t>
+              <a:t>2018/8/18</a:t>
             </a:fld>
             <a:endParaRPr kumimoji="1" lang="ja-JP" altLang="en-US"/>
           </a:p>
@@ -7838,210 +7838,6 @@
           </a:p>
         </p:txBody>
       </p:sp>
-      <p:grpSp>
-        <p:nvGrpSpPr>
-          <p:cNvPr id="8" name="グループ化 7">
-            <a:extLst>
-              <a:ext uri="{FF2B5EF4-FFF2-40B4-BE49-F238E27FC236}">
-                <a16:creationId xmlns:a16="http://schemas.microsoft.com/office/drawing/2014/main" id="{5F5E131A-9EF8-4444-8CA0-3A87D1BC8B1B}"/>
-              </a:ext>
-            </a:extLst>
-          </p:cNvPr>
-          <p:cNvGrpSpPr/>
-          <p:nvPr/>
-        </p:nvGrpSpPr>
-        <p:grpSpPr>
-          <a:xfrm>
-            <a:off x="1403648" y="2623518"/>
-            <a:ext cx="5622841" cy="4234482"/>
-            <a:chOff x="1619672" y="1648595"/>
-            <a:chExt cx="6552728" cy="4934767"/>
-          </a:xfrm>
-        </p:grpSpPr>
-        <p:pic>
-          <p:nvPicPr>
-            <p:cNvPr id="4" name="図 3">
-              <a:extLst>
-                <a:ext uri="{FF2B5EF4-FFF2-40B4-BE49-F238E27FC236}">
-                  <a16:creationId xmlns:a16="http://schemas.microsoft.com/office/drawing/2014/main" id="{61249D1C-774F-4D53-ACCB-A901F437ECC9}"/>
-                </a:ext>
-              </a:extLst>
-            </p:cNvPr>
-            <p:cNvPicPr>
-              <a:picLocks noChangeAspect="1"/>
-            </p:cNvPicPr>
-            <p:nvPr/>
-          </p:nvPicPr>
-          <p:blipFill>
-            <a:blip r:embed="rId2"/>
-            <a:stretch>
-              <a:fillRect/>
-            </a:stretch>
-          </p:blipFill>
-          <p:spPr>
-            <a:xfrm>
-              <a:off x="1619672" y="1648595"/>
-              <a:ext cx="2856135" cy="4934767"/>
-            </a:xfrm>
-            <a:prstGeom prst="rect">
-              <a:avLst/>
-            </a:prstGeom>
-          </p:spPr>
-        </p:pic>
-        <p:sp>
-          <p:nvSpPr>
-            <p:cNvPr id="5" name="正方形/長方形 4">
-              <a:extLst>
-                <a:ext uri="{FF2B5EF4-FFF2-40B4-BE49-F238E27FC236}">
-                  <a16:creationId xmlns:a16="http://schemas.microsoft.com/office/drawing/2014/main" id="{9479637C-C012-40DE-BC7B-18695CDB885A}"/>
-                </a:ext>
-              </a:extLst>
-            </p:cNvPr>
-            <p:cNvSpPr/>
-            <p:nvPr/>
-          </p:nvSpPr>
-          <p:spPr>
-            <a:xfrm>
-              <a:off x="1691680" y="2924944"/>
-              <a:ext cx="2736304" cy="3600400"/>
-            </a:xfrm>
-            <a:prstGeom prst="rect">
-              <a:avLst/>
-            </a:prstGeom>
-            <a:solidFill>
-              <a:srgbClr val="FF0000">
-                <a:alpha val="27000"/>
-              </a:srgbClr>
-            </a:solidFill>
-          </p:spPr>
-          <p:style>
-            <a:lnRef idx="2">
-              <a:schemeClr val="accent1">
-                <a:shade val="50000"/>
-              </a:schemeClr>
-            </a:lnRef>
-            <a:fillRef idx="1">
-              <a:schemeClr val="accent1"/>
-            </a:fillRef>
-            <a:effectRef idx="0">
-              <a:schemeClr val="accent1"/>
-            </a:effectRef>
-            <a:fontRef idx="minor">
-              <a:schemeClr val="lt1"/>
-            </a:fontRef>
-          </p:style>
-          <p:txBody>
-            <a:bodyPr rtlCol="0" anchor="ctr"/>
-            <a:lstStyle/>
-            <a:p>
-              <a:pPr algn="ctr"/>
-              <a:endParaRPr kumimoji="1" lang="ja-JP" altLang="en-US"/>
-            </a:p>
-          </p:txBody>
-        </p:sp>
-        <p:sp>
-          <p:nvSpPr>
-            <p:cNvPr id="6" name="矢印: 右 5">
-              <a:extLst>
-                <a:ext uri="{FF2B5EF4-FFF2-40B4-BE49-F238E27FC236}">
-                  <a16:creationId xmlns:a16="http://schemas.microsoft.com/office/drawing/2014/main" id="{08E0B09E-A921-4F4A-8A99-3A94C70B6FE8}"/>
-                </a:ext>
-              </a:extLst>
-            </p:cNvPr>
-            <p:cNvSpPr/>
-            <p:nvPr/>
-          </p:nvSpPr>
-          <p:spPr>
-            <a:xfrm rot="10800000">
-              <a:off x="4586485" y="4365105"/>
-              <a:ext cx="993627" cy="504056"/>
-            </a:xfrm>
-            <a:prstGeom prst="rightArrow">
-              <a:avLst/>
-            </a:prstGeom>
-            <a:ln>
-              <a:noFill/>
-            </a:ln>
-          </p:spPr>
-          <p:style>
-            <a:lnRef idx="2">
-              <a:schemeClr val="accent1">
-                <a:shade val="50000"/>
-              </a:schemeClr>
-            </a:lnRef>
-            <a:fillRef idx="1">
-              <a:schemeClr val="accent1"/>
-            </a:fillRef>
-            <a:effectRef idx="0">
-              <a:schemeClr val="accent1"/>
-            </a:effectRef>
-            <a:fontRef idx="minor">
-              <a:schemeClr val="lt1"/>
-            </a:fontRef>
-          </p:style>
-          <p:txBody>
-            <a:bodyPr rtlCol="0" anchor="ctr"/>
-            <a:lstStyle/>
-            <a:p>
-              <a:pPr algn="ctr"/>
-              <a:endParaRPr kumimoji="1" lang="ja-JP" altLang="en-US"/>
-            </a:p>
-          </p:txBody>
-        </p:sp>
-        <p:sp>
-          <p:nvSpPr>
-            <p:cNvPr id="7" name="四角形: 角を丸くする 6">
-              <a:extLst>
-                <a:ext uri="{FF2B5EF4-FFF2-40B4-BE49-F238E27FC236}">
-                  <a16:creationId xmlns:a16="http://schemas.microsoft.com/office/drawing/2014/main" id="{362A9BB8-7301-404B-8032-48FC42004E4C}"/>
-                </a:ext>
-              </a:extLst>
-            </p:cNvPr>
-            <p:cNvSpPr/>
-            <p:nvPr/>
-          </p:nvSpPr>
-          <p:spPr>
-            <a:xfrm>
-              <a:off x="5580112" y="4159933"/>
-              <a:ext cx="2592288" cy="914400"/>
-            </a:xfrm>
-            <a:prstGeom prst="roundRect">
-              <a:avLst/>
-            </a:prstGeom>
-            <a:ln>
-              <a:noFill/>
-            </a:ln>
-          </p:spPr>
-          <p:style>
-            <a:lnRef idx="2">
-              <a:schemeClr val="accent1">
-                <a:shade val="50000"/>
-              </a:schemeClr>
-            </a:lnRef>
-            <a:fillRef idx="1">
-              <a:schemeClr val="accent1"/>
-            </a:fillRef>
-            <a:effectRef idx="0">
-              <a:schemeClr val="accent1"/>
-            </a:effectRef>
-            <a:fontRef idx="minor">
-              <a:schemeClr val="lt1"/>
-            </a:fontRef>
-          </p:style>
-          <p:txBody>
-            <a:bodyPr rtlCol="0" anchor="ctr"/>
-            <a:lstStyle/>
-            <a:p>
-              <a:pPr algn="ctr"/>
-              <a:r>
-                <a:rPr lang="ja-JP" altLang="en-US" dirty="0"/>
-                <a:t>新規作成用</a:t>
-              </a:r>
-              <a:endParaRPr kumimoji="1" lang="ja-JP" altLang="en-US" dirty="0"/>
-            </a:p>
-          </p:txBody>
-        </p:sp>
-      </p:grpSp>
       <p:sp>
         <p:nvSpPr>
           <p:cNvPr id="9" name="テキスト ボックス 8">
@@ -8057,7 +7853,7 @@
         <p:spPr>
           <a:xfrm>
             <a:off x="1259632" y="1706574"/>
-            <a:ext cx="3827073" cy="646331"/>
+            <a:ext cx="5239319" cy="646331"/>
           </a:xfrm>
           <a:prstGeom prst="rect">
             <a:avLst/>
@@ -8072,7 +7868,7 @@
           <a:p>
             <a:r>
               <a:rPr kumimoji="1" lang="en-US" altLang="ja-JP" dirty="0"/>
-              <a:t>PSGG Editor</a:t>
+              <a:t>SYN-G-GEN</a:t>
             </a:r>
             <a:r>
               <a:rPr kumimoji="1" lang="ja-JP" altLang="en-US" dirty="0"/>
@@ -8091,9 +7887,142 @@
             </a:r>
             <a:r>
               <a:rPr lang="ja-JP" altLang="en-US" dirty="0"/>
-              <a:t>新規作成エリアを編集。</a:t>
+              <a:t>新規ステートマシン作成ボタンを押下。</a:t>
             </a:r>
             <a:endParaRPr kumimoji="1" lang="ja-JP" altLang="en-US" dirty="0"/>
+          </a:p>
+        </p:txBody>
+      </p:sp>
+      <p:pic>
+        <p:nvPicPr>
+          <p:cNvPr id="3" name="図 2">
+            <a:extLst>
+              <a:ext uri="{FF2B5EF4-FFF2-40B4-BE49-F238E27FC236}">
+                <a16:creationId xmlns:a16="http://schemas.microsoft.com/office/drawing/2014/main" id="{DB6FF190-871B-410C-A597-8B4B7DFC91D8}"/>
+              </a:ext>
+            </a:extLst>
+          </p:cNvPr>
+          <p:cNvPicPr>
+            <a:picLocks noChangeAspect="1"/>
+          </p:cNvPicPr>
+          <p:nvPr/>
+        </p:nvPicPr>
+        <p:blipFill>
+          <a:blip r:embed="rId2"/>
+          <a:stretch>
+            <a:fillRect/>
+          </a:stretch>
+        </p:blipFill>
+        <p:spPr>
+          <a:xfrm>
+            <a:off x="899592" y="2639707"/>
+            <a:ext cx="5410200" cy="3562350"/>
+          </a:xfrm>
+          <a:prstGeom prst="rect">
+            <a:avLst/>
+          </a:prstGeom>
+        </p:spPr>
+      </p:pic>
+      <p:sp>
+        <p:nvSpPr>
+          <p:cNvPr id="10" name="正方形/長方形 9">
+            <a:extLst>
+              <a:ext uri="{FF2B5EF4-FFF2-40B4-BE49-F238E27FC236}">
+                <a16:creationId xmlns:a16="http://schemas.microsoft.com/office/drawing/2014/main" id="{BF10333B-533C-4509-ABE0-03DCDB96943B}"/>
+              </a:ext>
+            </a:extLst>
+          </p:cNvPr>
+          <p:cNvSpPr/>
+          <p:nvPr/>
+        </p:nvSpPr>
+        <p:spPr>
+          <a:xfrm>
+            <a:off x="1331640" y="3284984"/>
+            <a:ext cx="4536504" cy="576064"/>
+          </a:xfrm>
+          <a:prstGeom prst="rect">
+            <a:avLst/>
+          </a:prstGeom>
+          <a:solidFill>
+            <a:schemeClr val="accent2">
+              <a:alpha val="51000"/>
+            </a:schemeClr>
+          </a:solidFill>
+          <a:ln>
+            <a:noFill/>
+          </a:ln>
+        </p:spPr>
+        <p:style>
+          <a:lnRef idx="2">
+            <a:schemeClr val="accent1">
+              <a:shade val="50000"/>
+            </a:schemeClr>
+          </a:lnRef>
+          <a:fillRef idx="1">
+            <a:schemeClr val="accent1"/>
+          </a:fillRef>
+          <a:effectRef idx="0">
+            <a:schemeClr val="accent1"/>
+          </a:effectRef>
+          <a:fontRef idx="minor">
+            <a:schemeClr val="lt1"/>
+          </a:fontRef>
+        </p:style>
+        <p:txBody>
+          <a:bodyPr rtlCol="0" anchor="ctr"/>
+          <a:lstStyle/>
+          <a:p>
+            <a:pPr algn="ctr"/>
+            <a:endParaRPr kumimoji="1" lang="ja-JP" altLang="en-US" dirty="0"/>
+          </a:p>
+        </p:txBody>
+      </p:sp>
+      <p:sp>
+        <p:nvSpPr>
+          <p:cNvPr id="11" name="矢印: 左 10">
+            <a:extLst>
+              <a:ext uri="{FF2B5EF4-FFF2-40B4-BE49-F238E27FC236}">
+                <a16:creationId xmlns:a16="http://schemas.microsoft.com/office/drawing/2014/main" id="{22006716-3F24-474A-A5A1-2FFE2D2F9242}"/>
+              </a:ext>
+            </a:extLst>
+          </p:cNvPr>
+          <p:cNvSpPr/>
+          <p:nvPr/>
+        </p:nvSpPr>
+        <p:spPr>
+          <a:xfrm>
+            <a:off x="5890335" y="3320988"/>
+            <a:ext cx="1489977" cy="504056"/>
+          </a:xfrm>
+          <a:prstGeom prst="leftArrow">
+            <a:avLst/>
+          </a:prstGeom>
+          <a:solidFill>
+            <a:schemeClr val="accent2"/>
+          </a:solidFill>
+        </p:spPr>
+        <p:style>
+          <a:lnRef idx="2">
+            <a:schemeClr val="accent1">
+              <a:shade val="50000"/>
+            </a:schemeClr>
+          </a:lnRef>
+          <a:fillRef idx="1">
+            <a:schemeClr val="accent1"/>
+          </a:fillRef>
+          <a:effectRef idx="0">
+            <a:schemeClr val="accent1"/>
+          </a:effectRef>
+          <a:fontRef idx="minor">
+            <a:schemeClr val="lt1"/>
+          </a:fontRef>
+        </p:style>
+        <p:txBody>
+          <a:bodyPr rtlCol="0" anchor="ctr"/>
+          <a:lstStyle/>
+          <a:p>
+            <a:pPr algn="ctr"/>
+            <a:endParaRPr kumimoji="1" lang="ja-JP" altLang="en-US"/>
           </a:p>
         </p:txBody>
       </p:sp>
@@ -8113,6 +8042,14 @@
 <file path=ppt/slides/slide5.xml><?xml version="1.0" encoding="utf-8"?>
 <p:sld xmlns:a="http://schemas.openxmlformats.org/drawingml/2006/main" xmlns:r="http://schemas.openxmlformats.org/officeDocument/2006/relationships" xmlns:p="http://schemas.openxmlformats.org/presentationml/2006/main">
   <p:cSld>
+    <p:bg>
+      <p:bgPr>
+        <a:solidFill>
+          <a:schemeClr val="bg1"/>
+        </a:solidFill>
+        <a:effectLst/>
+      </p:bgPr>
+    </p:bg>
     <p:spTree>
       <p:nvGrpSpPr>
         <p:cNvPr id="1" name=""/>
@@ -8129,10 +8066,10 @@
       </p:grpSpPr>
       <p:pic>
         <p:nvPicPr>
-          <p:cNvPr id="4" name="図 3">
-            <a:extLst>
-              <a:ext uri="{FF2B5EF4-FFF2-40B4-BE49-F238E27FC236}">
-                <a16:creationId xmlns:a16="http://schemas.microsoft.com/office/drawing/2014/main" id="{A8072BCD-4618-4DBB-9C01-70D75CF75207}"/>
+          <p:cNvPr id="7" name="図 6">
+            <a:extLst>
+              <a:ext uri="{FF2B5EF4-FFF2-40B4-BE49-F238E27FC236}">
+                <a16:creationId xmlns:a16="http://schemas.microsoft.com/office/drawing/2014/main" id="{6BB7B4BF-0F21-4991-B258-1F92838FFED0}"/>
               </a:ext>
             </a:extLst>
           </p:cNvPr>
@@ -8149,536 +8086,445 @@
         </p:blipFill>
         <p:spPr>
           <a:xfrm>
-            <a:off x="726352" y="908720"/>
-            <a:ext cx="3838106" cy="4871442"/>
+            <a:off x="846836" y="3898332"/>
+            <a:ext cx="3543427" cy="2086380"/>
           </a:xfrm>
           <a:prstGeom prst="rect">
             <a:avLst/>
           </a:prstGeom>
         </p:spPr>
       </p:pic>
-      <p:grpSp>
-        <p:nvGrpSpPr>
-          <p:cNvPr id="8" name="グループ化 7">
-            <a:extLst>
-              <a:ext uri="{FF2B5EF4-FFF2-40B4-BE49-F238E27FC236}">
-                <a16:creationId xmlns:a16="http://schemas.microsoft.com/office/drawing/2014/main" id="{5CBD4E46-40D5-4CCF-9B7C-EABDD24A9FDB}"/>
-              </a:ext>
-            </a:extLst>
-          </p:cNvPr>
-          <p:cNvGrpSpPr/>
+      <p:cxnSp>
+        <p:nvCxnSpPr>
+          <p:cNvPr id="15" name="Straight Connector 14">
+            <a:extLst>
+              <a:ext uri="{FF2B5EF4-FFF2-40B4-BE49-F238E27FC236}">
+                <a16:creationId xmlns:a16="http://schemas.microsoft.com/office/drawing/2014/main" id="{91B6081D-D3E8-4209-B85B-EB1C655A6272}"/>
+              </a:ext>
+              <a:ext uri="{C183D7F6-B498-43B3-948B-1728B52AA6E4}">
+                <adec:decorative xmlns:adec="http://schemas.microsoft.com/office/drawing/2017/decorative" val="1"/>
+              </a:ext>
+            </a:extLst>
+          </p:cNvPr>
+          <p:cNvCxnSpPr>
+            <a:cxnSpLocks noGrp="1" noRot="1" noChangeAspect="1" noMove="1" noResize="1" noEditPoints="1" noAdjustHandles="1" noChangeArrowheads="1" noChangeShapeType="1"/>
+          </p:cNvCxnSpPr>
+          <p:nvPr>
+            <p:extLst>
+              <p:ext uri="{386F3935-93C4-4BCD-93E2-E3B085C9AB24}">
+                <p16:designElem xmlns:p16="http://schemas.microsoft.com/office/powerpoint/2015/main" val="1"/>
+              </p:ext>
+            </p:extLst>
+          </p:nvPr>
+        </p:nvCxnSpPr>
+        <p:spPr>
+          <a:xfrm>
+            <a:off x="4568410" y="1111170"/>
+            <a:ext cx="8280" cy="4645103"/>
+          </a:xfrm>
+          <a:prstGeom prst="line">
+            <a:avLst/>
+          </a:prstGeom>
+          <a:ln w="19050">
+            <a:solidFill>
+              <a:srgbClr val="7F7F7F"/>
+            </a:solidFill>
+          </a:ln>
+        </p:spPr>
+        <p:style>
+          <a:lnRef idx="1">
+            <a:schemeClr val="accent1"/>
+          </a:lnRef>
+          <a:fillRef idx="0">
+            <a:schemeClr val="accent1"/>
+          </a:fillRef>
+          <a:effectRef idx="0">
+            <a:schemeClr val="accent1"/>
+          </a:effectRef>
+          <a:fontRef idx="minor">
+            <a:schemeClr val="tx1"/>
+          </a:fontRef>
+        </p:style>
+      </p:cxnSp>
+      <p:pic>
+        <p:nvPicPr>
+          <p:cNvPr id="10" name="図 9">
+            <a:extLst>
+              <a:ext uri="{FF2B5EF4-FFF2-40B4-BE49-F238E27FC236}">
+                <a16:creationId xmlns:a16="http://schemas.microsoft.com/office/drawing/2014/main" id="{B6BA69F4-C509-4BD4-B75C-0F8C9AA83759}"/>
+              </a:ext>
+            </a:extLst>
+          </p:cNvPr>
+          <p:cNvPicPr>
+            <a:picLocks noChangeAspect="1"/>
+          </p:cNvPicPr>
           <p:nvPr/>
-        </p:nvGrpSpPr>
-        <p:grpSpPr>
-          <a:xfrm>
-            <a:off x="4716016" y="946953"/>
-            <a:ext cx="2664296" cy="936104"/>
-            <a:chOff x="4716016" y="946953"/>
-            <a:chExt cx="2664296" cy="936104"/>
-          </a:xfrm>
-        </p:grpSpPr>
-        <p:sp>
-          <p:nvSpPr>
-            <p:cNvPr id="6" name="矢印: 左 5">
-              <a:extLst>
-                <a:ext uri="{FF2B5EF4-FFF2-40B4-BE49-F238E27FC236}">
-                  <a16:creationId xmlns:a16="http://schemas.microsoft.com/office/drawing/2014/main" id="{A64849F1-F8B9-434A-BB22-80EE2D96624D}"/>
-                </a:ext>
-              </a:extLst>
-            </p:cNvPr>
-            <p:cNvSpPr/>
-            <p:nvPr/>
-          </p:nvSpPr>
-          <p:spPr>
-            <a:xfrm>
-              <a:off x="4716016" y="1124744"/>
-              <a:ext cx="1080120" cy="576064"/>
-            </a:xfrm>
-            <a:prstGeom prst="leftArrow">
-              <a:avLst/>
-            </a:prstGeom>
-            <a:ln>
-              <a:noFill/>
-            </a:ln>
-          </p:spPr>
-          <p:style>
-            <a:lnRef idx="2">
-              <a:schemeClr val="accent1">
-                <a:shade val="50000"/>
-              </a:schemeClr>
-            </a:lnRef>
-            <a:fillRef idx="1">
-              <a:schemeClr val="accent1"/>
-            </a:fillRef>
-            <a:effectRef idx="0">
-              <a:schemeClr val="accent1"/>
-            </a:effectRef>
-            <a:fontRef idx="minor">
-              <a:schemeClr val="lt1"/>
-            </a:fontRef>
-          </p:style>
-          <p:txBody>
-            <a:bodyPr rtlCol="0" anchor="ctr"/>
-            <a:lstStyle/>
-            <a:p>
-              <a:pPr algn="ctr"/>
-              <a:endParaRPr kumimoji="1" lang="ja-JP" altLang="en-US"/>
-            </a:p>
-          </p:txBody>
-        </p:sp>
-        <p:sp>
-          <p:nvSpPr>
-            <p:cNvPr id="7" name="四角形: 角を丸くする 6">
-              <a:extLst>
-                <a:ext uri="{FF2B5EF4-FFF2-40B4-BE49-F238E27FC236}">
-                  <a16:creationId xmlns:a16="http://schemas.microsoft.com/office/drawing/2014/main" id="{B88979E2-B85A-44D5-8D4C-EEFE3096043B}"/>
-                </a:ext>
-              </a:extLst>
-            </p:cNvPr>
-            <p:cNvSpPr/>
-            <p:nvPr/>
-          </p:nvSpPr>
-          <p:spPr>
-            <a:xfrm>
-              <a:off x="5724128" y="946953"/>
-              <a:ext cx="1656184" cy="936104"/>
-            </a:xfrm>
-            <a:prstGeom prst="roundRect">
-              <a:avLst/>
-            </a:prstGeom>
-            <a:ln>
-              <a:noFill/>
-            </a:ln>
-          </p:spPr>
-          <p:style>
-            <a:lnRef idx="2">
-              <a:schemeClr val="accent1">
-                <a:shade val="50000"/>
-              </a:schemeClr>
-            </a:lnRef>
-            <a:fillRef idx="1">
-              <a:schemeClr val="accent1"/>
-            </a:fillRef>
-            <a:effectRef idx="0">
-              <a:schemeClr val="accent1"/>
-            </a:effectRef>
-            <a:fontRef idx="minor">
-              <a:schemeClr val="lt1"/>
-            </a:fontRef>
-          </p:style>
-          <p:txBody>
-            <a:bodyPr rtlCol="0" anchor="ctr"/>
-            <a:lstStyle/>
-            <a:p>
-              <a:pPr algn="ctr"/>
-              <a:r>
-                <a:rPr kumimoji="1" lang="en-US" altLang="ja-JP" dirty="0"/>
-                <a:t>C#</a:t>
-              </a:r>
-              <a:r>
-                <a:rPr kumimoji="1" lang="ja-JP" altLang="en-US" dirty="0"/>
-                <a:t>サンプル１</a:t>
-              </a:r>
-              <a:endParaRPr kumimoji="1" lang="en-US" altLang="ja-JP" dirty="0"/>
-            </a:p>
-            <a:p>
-              <a:pPr algn="ctr"/>
-              <a:r>
-                <a:rPr kumimoji="1" lang="ja-JP" altLang="en-US" dirty="0"/>
-                <a:t>を選択</a:t>
-              </a:r>
-            </a:p>
-          </p:txBody>
-        </p:sp>
-      </p:grpSp>
-      <p:grpSp>
-        <p:nvGrpSpPr>
-          <p:cNvPr id="9" name="グループ化 8">
-            <a:extLst>
-              <a:ext uri="{FF2B5EF4-FFF2-40B4-BE49-F238E27FC236}">
-                <a16:creationId xmlns:a16="http://schemas.microsoft.com/office/drawing/2014/main" id="{25DC402D-2868-4518-B870-E13E91D8DEE5}"/>
-              </a:ext>
-            </a:extLst>
-          </p:cNvPr>
-          <p:cNvGrpSpPr/>
+        </p:nvPicPr>
+        <p:blipFill>
+          <a:blip r:embed="rId3"/>
+          <a:stretch>
+            <a:fillRect/>
+          </a:stretch>
+        </p:blipFill>
+        <p:spPr>
+          <a:xfrm>
+            <a:off x="4951152" y="3898672"/>
+            <a:ext cx="3549705" cy="2088467"/>
+          </a:xfrm>
+          <a:prstGeom prst="rect">
+            <a:avLst/>
+          </a:prstGeom>
+        </p:spPr>
+      </p:pic>
+      <p:cxnSp>
+        <p:nvCxnSpPr>
+          <p:cNvPr id="17" name="Straight Connector 16">
+            <a:extLst>
+              <a:ext uri="{FF2B5EF4-FFF2-40B4-BE49-F238E27FC236}">
+                <a16:creationId xmlns:a16="http://schemas.microsoft.com/office/drawing/2014/main" id="{28CA55E4-1295-45C8-BA05-5A9E705B749A}"/>
+              </a:ext>
+              <a:ext uri="{C183D7F6-B498-43B3-948B-1728B52AA6E4}">
+                <adec:decorative xmlns:adec="http://schemas.microsoft.com/office/drawing/2017/decorative" val="1"/>
+              </a:ext>
+            </a:extLst>
+          </p:cNvPr>
+          <p:cNvCxnSpPr>
+            <a:cxnSpLocks noGrp="1" noRot="1" noChangeAspect="1" noMove="1" noResize="1" noEditPoints="1" noAdjustHandles="1" noChangeArrowheads="1" noChangeShapeType="1"/>
+          </p:cNvCxnSpPr>
+          <p:nvPr>
+            <p:extLst>
+              <p:ext uri="{386F3935-93C4-4BCD-93E2-E3B085C9AB24}">
+                <p16:designElem xmlns:p16="http://schemas.microsoft.com/office/powerpoint/2015/main" val="1"/>
+              </p:ext>
+            </p:extLst>
+          </p:nvPr>
+        </p:nvCxnSpPr>
+        <p:spPr>
+          <a:xfrm>
+            <a:off x="1052270" y="3428998"/>
+            <a:ext cx="3141678" cy="1"/>
+          </a:xfrm>
+          <a:prstGeom prst="line">
+            <a:avLst/>
+          </a:prstGeom>
+          <a:ln w="19050">
+            <a:solidFill>
+              <a:srgbClr val="7F7F7F"/>
+            </a:solidFill>
+          </a:ln>
+        </p:spPr>
+        <p:style>
+          <a:lnRef idx="1">
+            <a:schemeClr val="accent1"/>
+          </a:lnRef>
+          <a:fillRef idx="0">
+            <a:schemeClr val="accent1"/>
+          </a:fillRef>
+          <a:effectRef idx="0">
+            <a:schemeClr val="accent1"/>
+          </a:effectRef>
+          <a:fontRef idx="minor">
+            <a:schemeClr val="tx1"/>
+          </a:fontRef>
+        </p:style>
+      </p:cxnSp>
+      <p:cxnSp>
+        <p:nvCxnSpPr>
+          <p:cNvPr id="19" name="Straight Connector 18">
+            <a:extLst>
+              <a:ext uri="{FF2B5EF4-FFF2-40B4-BE49-F238E27FC236}">
+                <a16:creationId xmlns:a16="http://schemas.microsoft.com/office/drawing/2014/main" id="{08C5794E-A9A1-4A23-AF68-C79A7822334C}"/>
+              </a:ext>
+              <a:ext uri="{C183D7F6-B498-43B3-948B-1728B52AA6E4}">
+                <adec:decorative xmlns:adec="http://schemas.microsoft.com/office/drawing/2017/decorative" val="1"/>
+              </a:ext>
+            </a:extLst>
+          </p:cNvPr>
+          <p:cNvCxnSpPr>
+            <a:cxnSpLocks noGrp="1" noRot="1" noChangeAspect="1" noMove="1" noResize="1" noEditPoints="1" noAdjustHandles="1" noChangeArrowheads="1" noChangeShapeType="1"/>
+          </p:cNvCxnSpPr>
+          <p:nvPr>
+            <p:extLst>
+              <p:ext uri="{386F3935-93C4-4BCD-93E2-E3B085C9AB24}">
+                <p16:designElem xmlns:p16="http://schemas.microsoft.com/office/powerpoint/2015/main" val="1"/>
+              </p:ext>
+            </p:extLst>
+          </p:nvPr>
+        </p:nvCxnSpPr>
+        <p:spPr>
+          <a:xfrm>
+            <a:off x="4957750" y="3428998"/>
+            <a:ext cx="3141678" cy="1"/>
+          </a:xfrm>
+          <a:prstGeom prst="line">
+            <a:avLst/>
+          </a:prstGeom>
+          <a:ln w="19050">
+            <a:solidFill>
+              <a:srgbClr val="7F7F7F"/>
+            </a:solidFill>
+          </a:ln>
+        </p:spPr>
+        <p:style>
+          <a:lnRef idx="1">
+            <a:schemeClr val="accent1"/>
+          </a:lnRef>
+          <a:fillRef idx="0">
+            <a:schemeClr val="accent1"/>
+          </a:fillRef>
+          <a:effectRef idx="0">
+            <a:schemeClr val="accent1"/>
+          </a:effectRef>
+          <a:fontRef idx="minor">
+            <a:schemeClr val="tx1"/>
+          </a:fontRef>
+        </p:style>
+      </p:cxnSp>
+      <p:pic>
+        <p:nvPicPr>
+          <p:cNvPr id="6" name="図 5">
+            <a:extLst>
+              <a:ext uri="{FF2B5EF4-FFF2-40B4-BE49-F238E27FC236}">
+                <a16:creationId xmlns:a16="http://schemas.microsoft.com/office/drawing/2014/main" id="{291490FE-C7DB-4FF4-9072-5CE9C950F09C}"/>
+              </a:ext>
+            </a:extLst>
+          </p:cNvPr>
+          <p:cNvPicPr>
+            <a:picLocks noChangeAspect="1"/>
+          </p:cNvPicPr>
           <p:nvPr/>
-        </p:nvGrpSpPr>
-        <p:grpSpPr>
-          <a:xfrm>
-            <a:off x="4716016" y="3573016"/>
-            <a:ext cx="2736304" cy="576065"/>
-            <a:chOff x="4716016" y="946953"/>
-            <a:chExt cx="2664296" cy="936104"/>
-          </a:xfrm>
-        </p:grpSpPr>
-        <p:sp>
-          <p:nvSpPr>
-            <p:cNvPr id="10" name="矢印: 左 9">
-              <a:extLst>
-                <a:ext uri="{FF2B5EF4-FFF2-40B4-BE49-F238E27FC236}">
-                  <a16:creationId xmlns:a16="http://schemas.microsoft.com/office/drawing/2014/main" id="{104A195C-88E6-43D1-8E90-546C8B0160C8}"/>
-                </a:ext>
-              </a:extLst>
-            </p:cNvPr>
-            <p:cNvSpPr/>
-            <p:nvPr/>
-          </p:nvSpPr>
-          <p:spPr>
-            <a:xfrm>
-              <a:off x="4716016" y="1124744"/>
-              <a:ext cx="1080120" cy="576064"/>
-            </a:xfrm>
-            <a:prstGeom prst="leftArrow">
-              <a:avLst/>
-            </a:prstGeom>
-            <a:ln>
-              <a:noFill/>
-            </a:ln>
-          </p:spPr>
-          <p:style>
-            <a:lnRef idx="2">
-              <a:schemeClr val="accent1">
-                <a:shade val="50000"/>
-              </a:schemeClr>
-            </a:lnRef>
-            <a:fillRef idx="1">
-              <a:schemeClr val="accent1"/>
-            </a:fillRef>
-            <a:effectRef idx="0">
-              <a:schemeClr val="accent1"/>
-            </a:effectRef>
-            <a:fontRef idx="minor">
-              <a:schemeClr val="lt1"/>
-            </a:fontRef>
-          </p:style>
-          <p:txBody>
-            <a:bodyPr rtlCol="0" anchor="ctr"/>
-            <a:lstStyle/>
-            <a:p>
-              <a:pPr algn="ctr"/>
-              <a:endParaRPr kumimoji="1" lang="ja-JP" altLang="en-US"/>
-            </a:p>
-          </p:txBody>
-        </p:sp>
-        <p:sp>
-          <p:nvSpPr>
-            <p:cNvPr id="11" name="四角形: 角を丸くする 10">
-              <a:extLst>
-                <a:ext uri="{FF2B5EF4-FFF2-40B4-BE49-F238E27FC236}">
-                  <a16:creationId xmlns:a16="http://schemas.microsoft.com/office/drawing/2014/main" id="{71A4660A-2729-4AC1-9A5F-6046D370C25B}"/>
-                </a:ext>
-              </a:extLst>
-            </p:cNvPr>
-            <p:cNvSpPr/>
-            <p:nvPr/>
-          </p:nvSpPr>
-          <p:spPr>
-            <a:xfrm>
-              <a:off x="5724128" y="946953"/>
-              <a:ext cx="1656184" cy="936104"/>
-            </a:xfrm>
-            <a:prstGeom prst="roundRect">
-              <a:avLst/>
-            </a:prstGeom>
-            <a:ln>
-              <a:noFill/>
-            </a:ln>
-          </p:spPr>
-          <p:style>
-            <a:lnRef idx="2">
-              <a:schemeClr val="accent1">
-                <a:shade val="50000"/>
-              </a:schemeClr>
-            </a:lnRef>
-            <a:fillRef idx="1">
-              <a:schemeClr val="accent1"/>
-            </a:fillRef>
-            <a:effectRef idx="0">
-              <a:schemeClr val="accent1"/>
-            </a:effectRef>
-            <a:fontRef idx="minor">
-              <a:schemeClr val="lt1"/>
-            </a:fontRef>
-          </p:style>
-          <p:txBody>
-            <a:bodyPr rtlCol="0" anchor="ctr"/>
-            <a:lstStyle/>
-            <a:p>
-              <a:pPr algn="ctr"/>
-              <a:r>
-                <a:rPr kumimoji="1" lang="en-US" altLang="ja-JP" dirty="0"/>
-                <a:t>Test</a:t>
-              </a:r>
-              <a:r>
-                <a:rPr kumimoji="1" lang="ja-JP" altLang="en-US" dirty="0"/>
-                <a:t>を入力</a:t>
-              </a:r>
-            </a:p>
-          </p:txBody>
-        </p:sp>
-      </p:grpSp>
-      <p:grpSp>
-        <p:nvGrpSpPr>
-          <p:cNvPr id="12" name="グループ化 11">
-            <a:extLst>
-              <a:ext uri="{FF2B5EF4-FFF2-40B4-BE49-F238E27FC236}">
-                <a16:creationId xmlns:a16="http://schemas.microsoft.com/office/drawing/2014/main" id="{DC6C8827-B439-4342-BF79-A238F890E8C2}"/>
-              </a:ext>
-            </a:extLst>
-          </p:cNvPr>
-          <p:cNvGrpSpPr/>
+        </p:nvPicPr>
+        <p:blipFill>
+          <a:blip r:embed="rId4"/>
+          <a:stretch>
+            <a:fillRect/>
+          </a:stretch>
+        </p:blipFill>
+        <p:spPr>
+          <a:xfrm>
+            <a:off x="846836" y="870121"/>
+            <a:ext cx="3543427" cy="2089188"/>
+          </a:xfrm>
+          <a:prstGeom prst="rect">
+            <a:avLst/>
+          </a:prstGeom>
+        </p:spPr>
+      </p:pic>
+      <p:pic>
+        <p:nvPicPr>
+          <p:cNvPr id="9" name="図 8">
+            <a:extLst>
+              <a:ext uri="{FF2B5EF4-FFF2-40B4-BE49-F238E27FC236}">
+                <a16:creationId xmlns:a16="http://schemas.microsoft.com/office/drawing/2014/main" id="{A0F3E93C-057B-4F6C-80E2-234BF0B36711}"/>
+              </a:ext>
+            </a:extLst>
+          </p:cNvPr>
+          <p:cNvPicPr>
+            <a:picLocks noChangeAspect="1"/>
+          </p:cNvPicPr>
           <p:nvPr/>
-        </p:nvGrpSpPr>
-        <p:grpSpPr>
-          <a:xfrm>
-            <a:off x="4716016" y="4278057"/>
-            <a:ext cx="2736304" cy="576065"/>
-            <a:chOff x="4716016" y="946953"/>
-            <a:chExt cx="2664296" cy="936104"/>
-          </a:xfrm>
-        </p:grpSpPr>
-        <p:sp>
-          <p:nvSpPr>
-            <p:cNvPr id="13" name="矢印: 左 12">
-              <a:extLst>
-                <a:ext uri="{FF2B5EF4-FFF2-40B4-BE49-F238E27FC236}">
-                  <a16:creationId xmlns:a16="http://schemas.microsoft.com/office/drawing/2014/main" id="{4B517EED-AE81-4A3B-8971-7B4C5C64DFA8}"/>
-                </a:ext>
-              </a:extLst>
-            </p:cNvPr>
-            <p:cNvSpPr/>
-            <p:nvPr/>
-          </p:nvSpPr>
-          <p:spPr>
-            <a:xfrm>
-              <a:off x="4716016" y="1124744"/>
-              <a:ext cx="1080120" cy="576064"/>
-            </a:xfrm>
-            <a:prstGeom prst="leftArrow">
-              <a:avLst/>
-            </a:prstGeom>
-            <a:ln>
-              <a:noFill/>
-            </a:ln>
-          </p:spPr>
-          <p:style>
-            <a:lnRef idx="2">
-              <a:schemeClr val="accent1">
-                <a:shade val="50000"/>
-              </a:schemeClr>
-            </a:lnRef>
-            <a:fillRef idx="1">
-              <a:schemeClr val="accent1"/>
-            </a:fillRef>
-            <a:effectRef idx="0">
-              <a:schemeClr val="accent1"/>
-            </a:effectRef>
-            <a:fontRef idx="minor">
-              <a:schemeClr val="lt1"/>
-            </a:fontRef>
-          </p:style>
-          <p:txBody>
-            <a:bodyPr rtlCol="0" anchor="ctr"/>
-            <a:lstStyle/>
-            <a:p>
-              <a:pPr algn="ctr"/>
-              <a:endParaRPr kumimoji="1" lang="ja-JP" altLang="en-US"/>
-            </a:p>
-          </p:txBody>
-        </p:sp>
-        <p:sp>
-          <p:nvSpPr>
-            <p:cNvPr id="14" name="四角形: 角を丸くする 13">
-              <a:extLst>
-                <a:ext uri="{FF2B5EF4-FFF2-40B4-BE49-F238E27FC236}">
-                  <a16:creationId xmlns:a16="http://schemas.microsoft.com/office/drawing/2014/main" id="{84DC0BFF-E30C-4A18-8170-B192564AEAF7}"/>
-                </a:ext>
-              </a:extLst>
-            </p:cNvPr>
-            <p:cNvSpPr/>
-            <p:nvPr/>
-          </p:nvSpPr>
-          <p:spPr>
-            <a:xfrm>
-              <a:off x="5724128" y="946953"/>
-              <a:ext cx="1656184" cy="936104"/>
-            </a:xfrm>
-            <a:prstGeom prst="roundRect">
-              <a:avLst/>
-            </a:prstGeom>
-            <a:ln>
-              <a:noFill/>
-            </a:ln>
-          </p:spPr>
-          <p:style>
-            <a:lnRef idx="2">
-              <a:schemeClr val="accent1">
-                <a:shade val="50000"/>
-              </a:schemeClr>
-            </a:lnRef>
-            <a:fillRef idx="1">
-              <a:schemeClr val="accent1"/>
-            </a:fillRef>
-            <a:effectRef idx="0">
-              <a:schemeClr val="accent1"/>
-            </a:effectRef>
-            <a:fontRef idx="minor">
-              <a:schemeClr val="lt1"/>
-            </a:fontRef>
-          </p:style>
-          <p:txBody>
-            <a:bodyPr rtlCol="0" anchor="ctr"/>
-            <a:lstStyle/>
-            <a:p>
-              <a:pPr algn="ctr"/>
-              <a:r>
-                <a:rPr kumimoji="1" lang="en-US" altLang="ja-JP" sz="1100" dirty="0"/>
-                <a:t>Unity</a:t>
-              </a:r>
-              <a:r>
-                <a:rPr kumimoji="1" lang="ja-JP" altLang="en-US" sz="1100" dirty="0"/>
-                <a:t>プロジェクトの</a:t>
-              </a:r>
-              <a:r>
-                <a:rPr kumimoji="1" lang="en-US" altLang="ja-JP" sz="1100" dirty="0"/>
-                <a:t>Assets</a:t>
-              </a:r>
-              <a:r>
-                <a:rPr kumimoji="1" lang="ja-JP" altLang="en-US" sz="1100" dirty="0"/>
-                <a:t>フォルダを指定</a:t>
-              </a:r>
-              <a:endParaRPr kumimoji="1" lang="ja-JP" altLang="en-US" dirty="0"/>
-            </a:p>
-          </p:txBody>
-        </p:sp>
-      </p:grpSp>
-      <p:grpSp>
-        <p:nvGrpSpPr>
-          <p:cNvPr id="15" name="グループ化 14">
-            <a:extLst>
-              <a:ext uri="{FF2B5EF4-FFF2-40B4-BE49-F238E27FC236}">
-                <a16:creationId xmlns:a16="http://schemas.microsoft.com/office/drawing/2014/main" id="{5A7BB9F2-314E-4A27-81A5-EE0ECB939BFB}"/>
-              </a:ext>
-            </a:extLst>
-          </p:cNvPr>
-          <p:cNvGrpSpPr/>
+        </p:nvPicPr>
+        <p:blipFill>
+          <a:blip r:embed="rId5"/>
+          <a:stretch>
+            <a:fillRect/>
+          </a:stretch>
+        </p:blipFill>
+        <p:spPr>
+          <a:xfrm>
+            <a:off x="4946314" y="870121"/>
+            <a:ext cx="3549705" cy="2099436"/>
+          </a:xfrm>
+          <a:prstGeom prst="rect">
+            <a:avLst/>
+          </a:prstGeom>
+        </p:spPr>
+      </p:pic>
+      <p:sp>
+        <p:nvSpPr>
+          <p:cNvPr id="11" name="矢印: 下 10">
+            <a:extLst>
+              <a:ext uri="{FF2B5EF4-FFF2-40B4-BE49-F238E27FC236}">
+                <a16:creationId xmlns:a16="http://schemas.microsoft.com/office/drawing/2014/main" id="{25E00A64-7C6D-4A1A-A944-AAAFF7BFB3EC}"/>
+              </a:ext>
+            </a:extLst>
+          </p:cNvPr>
+          <p:cNvSpPr/>
           <p:nvPr/>
-        </p:nvGrpSpPr>
-        <p:grpSpPr>
-          <a:xfrm>
-            <a:off x="4716016" y="5143064"/>
-            <a:ext cx="2736304" cy="576065"/>
-            <a:chOff x="4716016" y="946953"/>
-            <a:chExt cx="2664296" cy="936104"/>
-          </a:xfrm>
-        </p:grpSpPr>
-        <p:sp>
-          <p:nvSpPr>
-            <p:cNvPr id="16" name="矢印: 左 15">
-              <a:extLst>
-                <a:ext uri="{FF2B5EF4-FFF2-40B4-BE49-F238E27FC236}">
-                  <a16:creationId xmlns:a16="http://schemas.microsoft.com/office/drawing/2014/main" id="{9ACD87C8-4488-47F1-8A6C-37D97F6BC24C}"/>
-                </a:ext>
-              </a:extLst>
-            </p:cNvPr>
-            <p:cNvSpPr/>
-            <p:nvPr/>
-          </p:nvSpPr>
-          <p:spPr>
-            <a:xfrm>
-              <a:off x="4716016" y="1124744"/>
-              <a:ext cx="1080120" cy="576064"/>
-            </a:xfrm>
-            <a:prstGeom prst="leftArrow">
-              <a:avLst/>
-            </a:prstGeom>
-            <a:ln>
-              <a:noFill/>
-            </a:ln>
-          </p:spPr>
-          <p:style>
-            <a:lnRef idx="2">
-              <a:schemeClr val="accent1">
-                <a:shade val="50000"/>
-              </a:schemeClr>
-            </a:lnRef>
-            <a:fillRef idx="1">
-              <a:schemeClr val="accent1"/>
-            </a:fillRef>
-            <a:effectRef idx="0">
-              <a:schemeClr val="accent1"/>
-            </a:effectRef>
-            <a:fontRef idx="minor">
-              <a:schemeClr val="lt1"/>
-            </a:fontRef>
-          </p:style>
-          <p:txBody>
-            <a:bodyPr rtlCol="0" anchor="ctr"/>
-            <a:lstStyle/>
-            <a:p>
-              <a:pPr algn="ctr"/>
-              <a:endParaRPr kumimoji="1" lang="ja-JP" altLang="en-US"/>
-            </a:p>
-          </p:txBody>
-        </p:sp>
-        <p:sp>
-          <p:nvSpPr>
-            <p:cNvPr id="17" name="四角形: 角を丸くする 16">
-              <a:extLst>
-                <a:ext uri="{FF2B5EF4-FFF2-40B4-BE49-F238E27FC236}">
-                  <a16:creationId xmlns:a16="http://schemas.microsoft.com/office/drawing/2014/main" id="{D885CAB2-44CE-428C-8234-4922A1337F81}"/>
-                </a:ext>
-              </a:extLst>
-            </p:cNvPr>
-            <p:cNvSpPr/>
-            <p:nvPr/>
-          </p:nvSpPr>
-          <p:spPr>
-            <a:xfrm>
-              <a:off x="5724128" y="946953"/>
-              <a:ext cx="1656184" cy="936104"/>
-            </a:xfrm>
-            <a:prstGeom prst="roundRect">
-              <a:avLst/>
-            </a:prstGeom>
-            <a:ln>
-              <a:noFill/>
-            </a:ln>
-          </p:spPr>
-          <p:style>
-            <a:lnRef idx="2">
-              <a:schemeClr val="accent1">
-                <a:shade val="50000"/>
-              </a:schemeClr>
-            </a:lnRef>
-            <a:fillRef idx="1">
-              <a:schemeClr val="accent1"/>
-            </a:fillRef>
-            <a:effectRef idx="0">
-              <a:schemeClr val="accent1"/>
-            </a:effectRef>
-            <a:fontRef idx="minor">
-              <a:schemeClr val="lt1"/>
-            </a:fontRef>
-          </p:style>
-          <p:txBody>
-            <a:bodyPr rtlCol="0" anchor="ctr"/>
-            <a:lstStyle/>
-            <a:p>
-              <a:pPr algn="ctr"/>
-              <a:r>
-                <a:rPr lang="ja-JP" altLang="en-US" dirty="0"/>
-                <a:t>上記入力後に押す</a:t>
-              </a:r>
-              <a:endParaRPr lang="en-US" altLang="ja-JP" dirty="0"/>
-            </a:p>
-          </p:txBody>
-        </p:sp>
-      </p:grpSp>
+        </p:nvSpPr>
+        <p:spPr>
+          <a:xfrm>
+            <a:off x="2123728" y="3140968"/>
+            <a:ext cx="587600" cy="648065"/>
+          </a:xfrm>
+          <a:prstGeom prst="downArrow">
+            <a:avLst/>
+          </a:prstGeom>
+        </p:spPr>
+        <p:style>
+          <a:lnRef idx="2">
+            <a:schemeClr val="accent1">
+              <a:shade val="50000"/>
+            </a:schemeClr>
+          </a:lnRef>
+          <a:fillRef idx="1">
+            <a:schemeClr val="accent1"/>
+          </a:fillRef>
+          <a:effectRef idx="0">
+            <a:schemeClr val="accent1"/>
+          </a:effectRef>
+          <a:fontRef idx="minor">
+            <a:schemeClr val="lt1"/>
+          </a:fontRef>
+        </p:style>
+        <p:txBody>
+          <a:bodyPr rtlCol="0" anchor="ctr"/>
+          <a:lstStyle/>
+          <a:p>
+            <a:pPr algn="ctr"/>
+            <a:endParaRPr kumimoji="1" lang="ja-JP" altLang="en-US"/>
+          </a:p>
+        </p:txBody>
+      </p:sp>
+      <p:sp>
+        <p:nvSpPr>
+          <p:cNvPr id="16" name="矢印: 下 15">
+            <a:extLst>
+              <a:ext uri="{FF2B5EF4-FFF2-40B4-BE49-F238E27FC236}">
+                <a16:creationId xmlns:a16="http://schemas.microsoft.com/office/drawing/2014/main" id="{64BC76B1-A1C1-43FC-BBD9-E18D79F2BB01}"/>
+              </a:ext>
+            </a:extLst>
+          </p:cNvPr>
+          <p:cNvSpPr/>
+          <p:nvPr/>
+        </p:nvSpPr>
+        <p:spPr>
+          <a:xfrm rot="13147904">
+            <a:off x="4293020" y="3195617"/>
+            <a:ext cx="587600" cy="648065"/>
+          </a:xfrm>
+          <a:prstGeom prst="downArrow">
+            <a:avLst/>
+          </a:prstGeom>
+        </p:spPr>
+        <p:style>
+          <a:lnRef idx="2">
+            <a:schemeClr val="accent1">
+              <a:shade val="50000"/>
+            </a:schemeClr>
+          </a:lnRef>
+          <a:fillRef idx="1">
+            <a:schemeClr val="accent1"/>
+          </a:fillRef>
+          <a:effectRef idx="0">
+            <a:schemeClr val="accent1"/>
+          </a:effectRef>
+          <a:fontRef idx="minor">
+            <a:schemeClr val="lt1"/>
+          </a:fontRef>
+        </p:style>
+        <p:txBody>
+          <a:bodyPr rtlCol="0" anchor="ctr"/>
+          <a:lstStyle/>
+          <a:p>
+            <a:pPr algn="ctr"/>
+            <a:endParaRPr kumimoji="1" lang="ja-JP" altLang="en-US"/>
+          </a:p>
+        </p:txBody>
+      </p:sp>
+      <p:sp>
+        <p:nvSpPr>
+          <p:cNvPr id="18" name="矢印: 下 17">
+            <a:extLst>
+              <a:ext uri="{FF2B5EF4-FFF2-40B4-BE49-F238E27FC236}">
+                <a16:creationId xmlns:a16="http://schemas.microsoft.com/office/drawing/2014/main" id="{0B3D8F95-D2CE-4CAE-BF52-E280354596F5}"/>
+              </a:ext>
+            </a:extLst>
+          </p:cNvPr>
+          <p:cNvSpPr/>
+          <p:nvPr/>
+        </p:nvSpPr>
+        <p:spPr>
+          <a:xfrm>
+            <a:off x="6427366" y="3140968"/>
+            <a:ext cx="587600" cy="648065"/>
+          </a:xfrm>
+          <a:prstGeom prst="downArrow">
+            <a:avLst/>
+          </a:prstGeom>
+        </p:spPr>
+        <p:style>
+          <a:lnRef idx="2">
+            <a:schemeClr val="accent1">
+              <a:shade val="50000"/>
+            </a:schemeClr>
+          </a:lnRef>
+          <a:fillRef idx="1">
+            <a:schemeClr val="accent1"/>
+          </a:fillRef>
+          <a:effectRef idx="0">
+            <a:schemeClr val="accent1"/>
+          </a:effectRef>
+          <a:fontRef idx="minor">
+            <a:schemeClr val="lt1"/>
+          </a:fontRef>
+        </p:style>
+        <p:txBody>
+          <a:bodyPr rtlCol="0" anchor="ctr"/>
+          <a:lstStyle/>
+          <a:p>
+            <a:pPr algn="ctr"/>
+            <a:endParaRPr kumimoji="1" lang="ja-JP" altLang="en-US"/>
+          </a:p>
+        </p:txBody>
+      </p:sp>
+      <p:sp>
+        <p:nvSpPr>
+          <p:cNvPr id="12" name="テキスト ボックス 11">
+            <a:extLst>
+              <a:ext uri="{FF2B5EF4-FFF2-40B4-BE49-F238E27FC236}">
+                <a16:creationId xmlns:a16="http://schemas.microsoft.com/office/drawing/2014/main" id="{83137E11-F69D-4661-92D8-88CEB4CA7144}"/>
+              </a:ext>
+            </a:extLst>
+          </p:cNvPr>
+          <p:cNvSpPr txBox="1"/>
+          <p:nvPr/>
+        </p:nvSpPr>
+        <p:spPr>
+          <a:xfrm>
+            <a:off x="1259632" y="377219"/>
+            <a:ext cx="4600940" cy="369332"/>
+          </a:xfrm>
+          <a:prstGeom prst="rect">
+            <a:avLst/>
+          </a:prstGeom>
+          <a:noFill/>
+        </p:spPr>
+        <p:txBody>
+          <a:bodyPr wrap="none" rtlCol="0">
+            <a:spAutoFit/>
+          </a:bodyPr>
+          <a:lstStyle/>
+          <a:p>
+            <a:r>
+              <a:rPr kumimoji="1" lang="ja-JP" altLang="en-US" dirty="0"/>
+              <a:t>下記のように選択、入力。　</a:t>
+            </a:r>
+            <a:r>
+              <a:rPr kumimoji="1" lang="en-US" altLang="ja-JP" dirty="0"/>
+              <a:t>NEXT</a:t>
+            </a:r>
+            <a:r>
+              <a:rPr kumimoji="1" lang="ja-JP" altLang="en-US" dirty="0"/>
+              <a:t>ボタンで次へ</a:t>
+            </a:r>
+          </a:p>
+        </p:txBody>
+      </p:sp>
     </p:spTree>
     <p:extLst>
       <p:ext uri="{BB962C8B-B14F-4D97-AF65-F5344CB8AC3E}">
-        <p14:creationId xmlns:p14="http://schemas.microsoft.com/office/powerpoint/2010/main" val="3490175611"/>
+        <p14:creationId xmlns:p14="http://schemas.microsoft.com/office/powerpoint/2010/main" val="3270602583"/>
       </p:ext>
     </p:extLst>
   </p:cSld>
@@ -8705,12 +8551,58 @@
           <a:chExt cx="0" cy="0"/>
         </a:xfrm>
       </p:grpSpPr>
+      <p:sp>
+        <p:nvSpPr>
+          <p:cNvPr id="4" name="矢印: 下 3">
+            <a:extLst>
+              <a:ext uri="{FF2B5EF4-FFF2-40B4-BE49-F238E27FC236}">
+                <a16:creationId xmlns:a16="http://schemas.microsoft.com/office/drawing/2014/main" id="{83EF954A-FFFB-44E3-A099-43A67FA31C6F}"/>
+              </a:ext>
+            </a:extLst>
+          </p:cNvPr>
+          <p:cNvSpPr/>
+          <p:nvPr/>
+        </p:nvSpPr>
+        <p:spPr>
+          <a:xfrm>
+            <a:off x="2123728" y="3140968"/>
+            <a:ext cx="587600" cy="648065"/>
+          </a:xfrm>
+          <a:prstGeom prst="downArrow">
+            <a:avLst/>
+          </a:prstGeom>
+        </p:spPr>
+        <p:style>
+          <a:lnRef idx="2">
+            <a:schemeClr val="accent1">
+              <a:shade val="50000"/>
+            </a:schemeClr>
+          </a:lnRef>
+          <a:fillRef idx="1">
+            <a:schemeClr val="accent1"/>
+          </a:fillRef>
+          <a:effectRef idx="0">
+            <a:schemeClr val="accent1"/>
+          </a:effectRef>
+          <a:fontRef idx="minor">
+            <a:schemeClr val="lt1"/>
+          </a:fontRef>
+        </p:style>
+        <p:txBody>
+          <a:bodyPr rtlCol="0" anchor="ctr"/>
+          <a:lstStyle/>
+          <a:p>
+            <a:pPr algn="ctr"/>
+            <a:endParaRPr kumimoji="1" lang="ja-JP" altLang="en-US"/>
+          </a:p>
+        </p:txBody>
+      </p:sp>
       <p:pic>
         <p:nvPicPr>
-          <p:cNvPr id="4" name="図 3">
-            <a:extLst>
-              <a:ext uri="{FF2B5EF4-FFF2-40B4-BE49-F238E27FC236}">
-                <a16:creationId xmlns:a16="http://schemas.microsoft.com/office/drawing/2014/main" id="{72109208-F416-4DAC-8456-4D12135E565E}"/>
+          <p:cNvPr id="5" name="図 4">
+            <a:extLst>
+              <a:ext uri="{FF2B5EF4-FFF2-40B4-BE49-F238E27FC236}">
+                <a16:creationId xmlns:a16="http://schemas.microsoft.com/office/drawing/2014/main" id="{8FAB8262-74F6-4046-95B5-2AC062C535A4}"/>
               </a:ext>
             </a:extLst>
           </p:cNvPr>
@@ -8727,34 +8619,72 @@
         </p:blipFill>
         <p:spPr>
           <a:xfrm>
-            <a:off x="899592" y="2276475"/>
-            <a:ext cx="3905250" cy="2305050"/>
+            <a:off x="846836" y="870121"/>
+            <a:ext cx="3546159" cy="2086381"/>
           </a:xfrm>
           <a:prstGeom prst="rect">
             <a:avLst/>
           </a:prstGeom>
         </p:spPr>
       </p:pic>
-      <p:sp>
-        <p:nvSpPr>
-          <p:cNvPr id="5" name="正方形/長方形 4">
-            <a:extLst>
-              <a:ext uri="{FF2B5EF4-FFF2-40B4-BE49-F238E27FC236}">
-                <a16:creationId xmlns:a16="http://schemas.microsoft.com/office/drawing/2014/main" id="{4E997D2A-2D78-41C0-A3AB-C1C6FC500194}"/>
-              </a:ext>
-            </a:extLst>
-          </p:cNvPr>
-          <p:cNvSpPr/>
+      <p:pic>
+        <p:nvPicPr>
+          <p:cNvPr id="6" name="図 5">
+            <a:extLst>
+              <a:ext uri="{FF2B5EF4-FFF2-40B4-BE49-F238E27FC236}">
+                <a16:creationId xmlns:a16="http://schemas.microsoft.com/office/drawing/2014/main" id="{4704C9AE-34CC-4DE8-AB4E-A4729983E7D0}"/>
+              </a:ext>
+            </a:extLst>
+          </p:cNvPr>
+          <p:cNvPicPr>
+            <a:picLocks noChangeAspect="1"/>
+          </p:cNvPicPr>
           <p:nvPr/>
-        </p:nvSpPr>
-        <p:spPr>
-          <a:xfrm>
-            <a:off x="5508104" y="2348880"/>
-            <a:ext cx="3240360" cy="2232645"/>
+        </p:nvPicPr>
+        <p:blipFill>
+          <a:blip r:embed="rId3"/>
+          <a:stretch>
+            <a:fillRect/>
+          </a:stretch>
+        </p:blipFill>
+        <p:spPr>
+          <a:xfrm>
+            <a:off x="846836" y="3898332"/>
+            <a:ext cx="3543427" cy="2073866"/>
           </a:xfrm>
           <a:prstGeom prst="rect">
             <a:avLst/>
           </a:prstGeom>
+        </p:spPr>
+      </p:pic>
+      <p:sp>
+        <p:nvSpPr>
+          <p:cNvPr id="7" name="矢印: 左 6">
+            <a:extLst>
+              <a:ext uri="{FF2B5EF4-FFF2-40B4-BE49-F238E27FC236}">
+                <a16:creationId xmlns:a16="http://schemas.microsoft.com/office/drawing/2014/main" id="{2A95CF6F-D052-41FE-9B1A-81B1B03BCE31}"/>
+              </a:ext>
+            </a:extLst>
+          </p:cNvPr>
+          <p:cNvSpPr/>
+          <p:nvPr/>
+        </p:nvSpPr>
+        <p:spPr>
+          <a:xfrm>
+            <a:off x="4177675" y="5386223"/>
+            <a:ext cx="1152128" cy="432048"/>
+          </a:xfrm>
+          <a:prstGeom prst="leftArrow">
+            <a:avLst/>
+          </a:prstGeom>
+          <a:solidFill>
+            <a:schemeClr val="accent2"/>
+          </a:solidFill>
+          <a:ln>
+            <a:solidFill>
+              <a:schemeClr val="accent2"/>
+            </a:solidFill>
+          </a:ln>
         </p:spPr>
         <p:style>
           <a:lnRef idx="2">
@@ -8776,23 +8706,116 @@
           <a:bodyPr rtlCol="0" anchor="ctr"/>
           <a:lstStyle/>
           <a:p>
-            <a:r>
-              <a:rPr lang="ja-JP" altLang="en-US" dirty="0"/>
-              <a:t>確認用ダイアログが表示されるので、ＯＫを押す。</a:t>
-            </a:r>
-            <a:endParaRPr lang="en-US" altLang="ja-JP" dirty="0"/>
-          </a:p>
-          <a:p>
-            <a:endParaRPr lang="en-US" altLang="ja-JP" dirty="0"/>
-          </a:p>
-          <a:p>
-            <a:r>
-              <a:rPr kumimoji="1" lang="en-US" altLang="ja-JP" dirty="0"/>
-              <a:t>PSSG Editor</a:t>
-            </a:r>
+            <a:pPr algn="ctr"/>
+            <a:endParaRPr kumimoji="1" lang="ja-JP" altLang="en-US"/>
+          </a:p>
+        </p:txBody>
+      </p:sp>
+      <p:sp>
+        <p:nvSpPr>
+          <p:cNvPr id="8" name="正方形/長方形 7">
+            <a:extLst>
+              <a:ext uri="{FF2B5EF4-FFF2-40B4-BE49-F238E27FC236}">
+                <a16:creationId xmlns:a16="http://schemas.microsoft.com/office/drawing/2014/main" id="{F4E9AACC-F25D-45B1-8EF5-1F0FF7009CB4}"/>
+              </a:ext>
+            </a:extLst>
+          </p:cNvPr>
+          <p:cNvSpPr/>
+          <p:nvPr/>
+        </p:nvSpPr>
+        <p:spPr>
+          <a:xfrm>
+            <a:off x="1115616" y="5386223"/>
+            <a:ext cx="3024336" cy="432048"/>
+          </a:xfrm>
+          <a:prstGeom prst="rect">
+            <a:avLst/>
+          </a:prstGeom>
+          <a:solidFill>
+            <a:schemeClr val="accent2">
+              <a:alpha val="33000"/>
+            </a:schemeClr>
+          </a:solidFill>
+          <a:ln>
+            <a:noFill/>
+          </a:ln>
+        </p:spPr>
+        <p:style>
+          <a:lnRef idx="2">
+            <a:schemeClr val="accent1">
+              <a:shade val="50000"/>
+            </a:schemeClr>
+          </a:lnRef>
+          <a:fillRef idx="1">
+            <a:schemeClr val="accent1"/>
+          </a:fillRef>
+          <a:effectRef idx="0">
+            <a:schemeClr val="accent1"/>
+          </a:effectRef>
+          <a:fontRef idx="minor">
+            <a:schemeClr val="lt1"/>
+          </a:fontRef>
+        </p:style>
+        <p:txBody>
+          <a:bodyPr rtlCol="0" anchor="ctr"/>
+          <a:lstStyle/>
+          <a:p>
+            <a:pPr algn="ctr"/>
+            <a:endParaRPr kumimoji="1" lang="ja-JP" altLang="en-US"/>
+          </a:p>
+        </p:txBody>
+      </p:sp>
+      <p:sp>
+        <p:nvSpPr>
+          <p:cNvPr id="9" name="四角形: 角を丸くする 8">
+            <a:extLst>
+              <a:ext uri="{FF2B5EF4-FFF2-40B4-BE49-F238E27FC236}">
+                <a16:creationId xmlns:a16="http://schemas.microsoft.com/office/drawing/2014/main" id="{5F69C31B-8DBC-4E01-AC2E-0B863B2B9A55}"/>
+              </a:ext>
+            </a:extLst>
+          </p:cNvPr>
+          <p:cNvSpPr/>
+          <p:nvPr/>
+        </p:nvSpPr>
+        <p:spPr>
+          <a:xfrm>
+            <a:off x="5148064" y="5276924"/>
+            <a:ext cx="1872208" cy="744364"/>
+          </a:xfrm>
+          <a:prstGeom prst="roundRect">
+            <a:avLst/>
+          </a:prstGeom>
+          <a:solidFill>
+            <a:schemeClr val="accent2"/>
+          </a:solidFill>
+          <a:ln>
+            <a:noFill/>
+          </a:ln>
+        </p:spPr>
+        <p:style>
+          <a:lnRef idx="2">
+            <a:schemeClr val="accent1">
+              <a:shade val="50000"/>
+            </a:schemeClr>
+          </a:lnRef>
+          <a:fillRef idx="1">
+            <a:schemeClr val="accent1"/>
+          </a:fillRef>
+          <a:effectRef idx="0">
+            <a:schemeClr val="accent1"/>
+          </a:effectRef>
+          <a:fontRef idx="minor">
+            <a:schemeClr val="lt1"/>
+          </a:fontRef>
+        </p:style>
+        <p:txBody>
+          <a:bodyPr rtlCol="0" anchor="ctr"/>
+          <a:lstStyle/>
+          <a:p>
+            <a:pPr algn="ctr"/>
             <a:r>
               <a:rPr kumimoji="1" lang="ja-JP" altLang="en-US" dirty="0"/>
-              <a:t>が起動する。</a:t>
+              <a:t>押下</a:t>
             </a:r>
           </a:p>
         </p:txBody>
@@ -8800,7 +8823,7 @@
     </p:spTree>
     <p:extLst>
       <p:ext uri="{BB962C8B-B14F-4D97-AF65-F5344CB8AC3E}">
-        <p14:creationId xmlns:p14="http://schemas.microsoft.com/office/powerpoint/2010/main" val="1045253111"/>
+        <p14:creationId xmlns:p14="http://schemas.microsoft.com/office/powerpoint/2010/main" val="138161547"/>
       </p:ext>
     </p:extLst>
   </p:cSld>
@@ -9626,277 +9649,6 @@
           </a:p>
         </p:txBody>
       </p:sp>
-      <p:grpSp>
-        <p:nvGrpSpPr>
-          <p:cNvPr id="28" name="グループ化 27">
-            <a:extLst>
-              <a:ext uri="{FF2B5EF4-FFF2-40B4-BE49-F238E27FC236}">
-                <a16:creationId xmlns:a16="http://schemas.microsoft.com/office/drawing/2014/main" id="{DB090228-E73C-44A0-A0F1-8F3833D27966}"/>
-              </a:ext>
-            </a:extLst>
-          </p:cNvPr>
-          <p:cNvGrpSpPr/>
-          <p:nvPr/>
-        </p:nvGrpSpPr>
-        <p:grpSpPr>
-          <a:xfrm>
-            <a:off x="476672" y="2636912"/>
-            <a:ext cx="5151306" cy="3097252"/>
-            <a:chOff x="755576" y="1822410"/>
-            <a:chExt cx="5151306" cy="3097252"/>
-          </a:xfrm>
-        </p:grpSpPr>
-        <p:pic>
-          <p:nvPicPr>
-            <p:cNvPr id="4" name="図 3">
-              <a:extLst>
-                <a:ext uri="{FF2B5EF4-FFF2-40B4-BE49-F238E27FC236}">
-                  <a16:creationId xmlns:a16="http://schemas.microsoft.com/office/drawing/2014/main" id="{9AB9EEAE-D6FD-45D3-AB0E-C5F46512AD26}"/>
-                </a:ext>
-              </a:extLst>
-            </p:cNvPr>
-            <p:cNvPicPr>
-              <a:picLocks noChangeAspect="1"/>
-            </p:cNvPicPr>
-            <p:nvPr/>
-          </p:nvPicPr>
-          <p:blipFill>
-            <a:blip r:embed="rId2"/>
-            <a:stretch>
-              <a:fillRect/>
-            </a:stretch>
-          </p:blipFill>
-          <p:spPr>
-            <a:xfrm>
-              <a:off x="755576" y="1938337"/>
-              <a:ext cx="3990975" cy="2981325"/>
-            </a:xfrm>
-            <a:prstGeom prst="rect">
-              <a:avLst/>
-            </a:prstGeom>
-          </p:spPr>
-        </p:pic>
-        <p:cxnSp>
-          <p:nvCxnSpPr>
-            <p:cNvPr id="8" name="直線矢印コネクタ 7">
-              <a:extLst>
-                <a:ext uri="{FF2B5EF4-FFF2-40B4-BE49-F238E27FC236}">
-                  <a16:creationId xmlns:a16="http://schemas.microsoft.com/office/drawing/2014/main" id="{AB5A0A62-27C3-4F74-A417-DB70B32FC711}"/>
-                </a:ext>
-              </a:extLst>
-            </p:cNvPr>
-            <p:cNvCxnSpPr>
-              <a:cxnSpLocks/>
-            </p:cNvCxnSpPr>
-            <p:nvPr/>
-          </p:nvCxnSpPr>
-          <p:spPr>
-            <a:xfrm flipH="1">
-              <a:off x="2771800" y="1822410"/>
-              <a:ext cx="3096344" cy="670486"/>
-            </a:xfrm>
-            <a:prstGeom prst="straightConnector1">
-              <a:avLst/>
-            </a:prstGeom>
-            <a:ln w="19050">
-              <a:solidFill>
-                <a:srgbClr val="FF0000"/>
-              </a:solidFill>
-              <a:tailEnd type="triangle" w="lg" len="med"/>
-            </a:ln>
-          </p:spPr>
-          <p:style>
-            <a:lnRef idx="1">
-              <a:schemeClr val="accent1"/>
-            </a:lnRef>
-            <a:fillRef idx="0">
-              <a:schemeClr val="accent1"/>
-            </a:fillRef>
-            <a:effectRef idx="0">
-              <a:schemeClr val="accent1"/>
-            </a:effectRef>
-            <a:fontRef idx="minor">
-              <a:schemeClr val="tx1"/>
-            </a:fontRef>
-          </p:style>
-        </p:cxnSp>
-        <p:cxnSp>
-          <p:nvCxnSpPr>
-            <p:cNvPr id="10" name="直線矢印コネクタ 9">
-              <a:extLst>
-                <a:ext uri="{FF2B5EF4-FFF2-40B4-BE49-F238E27FC236}">
-                  <a16:creationId xmlns:a16="http://schemas.microsoft.com/office/drawing/2014/main" id="{576BC2DC-4F37-4B94-B8AB-E827ADC89014}"/>
-                </a:ext>
-              </a:extLst>
-            </p:cNvPr>
-            <p:cNvCxnSpPr>
-              <a:cxnSpLocks/>
-            </p:cNvCxnSpPr>
-            <p:nvPr/>
-          </p:nvCxnSpPr>
-          <p:spPr>
-            <a:xfrm flipH="1">
-              <a:off x="3198380" y="2319804"/>
-              <a:ext cx="2708502" cy="539467"/>
-            </a:xfrm>
-            <a:prstGeom prst="straightConnector1">
-              <a:avLst/>
-            </a:prstGeom>
-            <a:ln w="19050">
-              <a:solidFill>
-                <a:srgbClr val="FF0000"/>
-              </a:solidFill>
-              <a:tailEnd type="triangle" w="lg" len="med"/>
-            </a:ln>
-          </p:spPr>
-          <p:style>
-            <a:lnRef idx="1">
-              <a:schemeClr val="accent1"/>
-            </a:lnRef>
-            <a:fillRef idx="0">
-              <a:schemeClr val="accent1"/>
-            </a:fillRef>
-            <a:effectRef idx="0">
-              <a:schemeClr val="accent1"/>
-            </a:effectRef>
-            <a:fontRef idx="minor">
-              <a:schemeClr val="tx1"/>
-            </a:fontRef>
-          </p:style>
-        </p:cxnSp>
-        <p:cxnSp>
-          <p:nvCxnSpPr>
-            <p:cNvPr id="12" name="直線矢印コネクタ 11">
-              <a:extLst>
-                <a:ext uri="{FF2B5EF4-FFF2-40B4-BE49-F238E27FC236}">
-                  <a16:creationId xmlns:a16="http://schemas.microsoft.com/office/drawing/2014/main" id="{C66B3F12-3355-4F5D-9DCE-0ED09775D0C8}"/>
-                </a:ext>
-              </a:extLst>
-            </p:cNvPr>
-            <p:cNvCxnSpPr>
-              <a:cxnSpLocks/>
-            </p:cNvCxnSpPr>
-            <p:nvPr/>
-          </p:nvCxnSpPr>
-          <p:spPr>
-            <a:xfrm flipH="1">
-              <a:off x="3198380" y="2859271"/>
-              <a:ext cx="2669764" cy="111841"/>
-            </a:xfrm>
-            <a:prstGeom prst="straightConnector1">
-              <a:avLst/>
-            </a:prstGeom>
-            <a:ln w="19050">
-              <a:solidFill>
-                <a:srgbClr val="FF0000"/>
-              </a:solidFill>
-              <a:tailEnd type="triangle" w="lg" len="med"/>
-            </a:ln>
-          </p:spPr>
-          <p:style>
-            <a:lnRef idx="1">
-              <a:schemeClr val="accent1"/>
-            </a:lnRef>
-            <a:fillRef idx="0">
-              <a:schemeClr val="accent1"/>
-            </a:fillRef>
-            <a:effectRef idx="0">
-              <a:schemeClr val="accent1"/>
-            </a:effectRef>
-            <a:fontRef idx="minor">
-              <a:schemeClr val="tx1"/>
-            </a:fontRef>
-          </p:style>
-        </p:cxnSp>
-        <p:cxnSp>
-          <p:nvCxnSpPr>
-            <p:cNvPr id="14" name="直線矢印コネクタ 13">
-              <a:extLst>
-                <a:ext uri="{FF2B5EF4-FFF2-40B4-BE49-F238E27FC236}">
-                  <a16:creationId xmlns:a16="http://schemas.microsoft.com/office/drawing/2014/main" id="{55EA235F-3326-43B5-A446-F6E44B87384B}"/>
-                </a:ext>
-              </a:extLst>
-            </p:cNvPr>
-            <p:cNvCxnSpPr>
-              <a:cxnSpLocks/>
-            </p:cNvCxnSpPr>
-            <p:nvPr/>
-          </p:nvCxnSpPr>
-          <p:spPr>
-            <a:xfrm flipH="1" flipV="1">
-              <a:off x="3198380" y="3130990"/>
-              <a:ext cx="2669764" cy="298009"/>
-            </a:xfrm>
-            <a:prstGeom prst="straightConnector1">
-              <a:avLst/>
-            </a:prstGeom>
-            <a:ln w="19050">
-              <a:solidFill>
-                <a:srgbClr val="FF0000"/>
-              </a:solidFill>
-              <a:tailEnd type="triangle" w="lg" len="med"/>
-            </a:ln>
-          </p:spPr>
-          <p:style>
-            <a:lnRef idx="1">
-              <a:schemeClr val="accent1"/>
-            </a:lnRef>
-            <a:fillRef idx="0">
-              <a:schemeClr val="accent1"/>
-            </a:fillRef>
-            <a:effectRef idx="0">
-              <a:schemeClr val="accent1"/>
-            </a:effectRef>
-            <a:fontRef idx="minor">
-              <a:schemeClr val="tx1"/>
-            </a:fontRef>
-          </p:style>
-        </p:cxnSp>
-        <p:cxnSp>
-          <p:nvCxnSpPr>
-            <p:cNvPr id="17" name="直線矢印コネクタ 16">
-              <a:extLst>
-                <a:ext uri="{FF2B5EF4-FFF2-40B4-BE49-F238E27FC236}">
-                  <a16:creationId xmlns:a16="http://schemas.microsoft.com/office/drawing/2014/main" id="{ACAB5444-F74F-42BB-BE88-212620BFD3CF}"/>
-                </a:ext>
-              </a:extLst>
-            </p:cNvPr>
-            <p:cNvCxnSpPr>
-              <a:cxnSpLocks/>
-            </p:cNvCxnSpPr>
-            <p:nvPr/>
-          </p:nvCxnSpPr>
-          <p:spPr>
-            <a:xfrm flipH="1" flipV="1">
-              <a:off x="3707904" y="3300033"/>
-              <a:ext cx="2160240" cy="849047"/>
-            </a:xfrm>
-            <a:prstGeom prst="straightConnector1">
-              <a:avLst/>
-            </a:prstGeom>
-            <a:ln w="19050">
-              <a:solidFill>
-                <a:srgbClr val="FF0000"/>
-              </a:solidFill>
-              <a:tailEnd type="triangle" w="lg" len="med"/>
-            </a:ln>
-          </p:spPr>
-          <p:style>
-            <a:lnRef idx="1">
-              <a:schemeClr val="accent1"/>
-            </a:lnRef>
-            <a:fillRef idx="0">
-              <a:schemeClr val="accent1"/>
-            </a:fillRef>
-            <a:effectRef idx="0">
-              <a:schemeClr val="accent1"/>
-            </a:effectRef>
-            <a:fontRef idx="minor">
-              <a:schemeClr val="tx1"/>
-            </a:fontRef>
-          </p:style>
-        </p:cxnSp>
-      </p:grpSp>
       <p:sp>
         <p:nvSpPr>
           <p:cNvPr id="29" name="四角形: 角を丸くする 28">
@@ -9911,7 +9663,7 @@
         </p:nvSpPr>
         <p:spPr>
           <a:xfrm>
-            <a:off x="5436096" y="1883650"/>
+            <a:off x="5558429" y="1510219"/>
             <a:ext cx="2943200" cy="773774"/>
           </a:xfrm>
           <a:prstGeom prst="roundRect">
@@ -9982,7 +9734,7 @@
         </p:nvSpPr>
         <p:spPr>
           <a:xfrm>
-            <a:off x="5627978" y="2769193"/>
+            <a:off x="5558429" y="3031090"/>
             <a:ext cx="2943200" cy="405923"/>
           </a:xfrm>
           <a:prstGeom prst="roundRect">
@@ -10017,7 +9769,7 @@
             <a:pPr algn="ctr"/>
             <a:r>
               <a:rPr lang="en-US" altLang="ja-JP" dirty="0"/>
-              <a:t>PSGG Editor</a:t>
+              <a:t>SYN-G-GEN</a:t>
             </a:r>
             <a:r>
               <a:rPr lang="ja-JP" altLang="en-US" dirty="0"/>
@@ -10041,7 +9793,7 @@
         </p:nvSpPr>
         <p:spPr>
           <a:xfrm>
-            <a:off x="5589240" y="3401653"/>
+            <a:off x="5558429" y="3607600"/>
             <a:ext cx="2943200" cy="405923"/>
           </a:xfrm>
           <a:prstGeom prst="roundRect">
@@ -10096,7 +9848,7 @@
         </p:nvSpPr>
         <p:spPr>
           <a:xfrm>
-            <a:off x="5567496" y="4034113"/>
+            <a:off x="5558429" y="4184110"/>
             <a:ext cx="2943200" cy="405923"/>
           </a:xfrm>
           <a:prstGeom prst="roundRect">
@@ -10151,7 +9903,7 @@
         </p:nvSpPr>
         <p:spPr>
           <a:xfrm>
-            <a:off x="5598368" y="4760620"/>
+            <a:off x="5558429" y="4760620"/>
             <a:ext cx="2943200" cy="405923"/>
           </a:xfrm>
           <a:prstGeom prst="roundRect">
@@ -10192,6 +9944,360 @@
           </a:p>
         </p:txBody>
       </p:sp>
+      <p:pic>
+        <p:nvPicPr>
+          <p:cNvPr id="5" name="図 4">
+            <a:extLst>
+              <a:ext uri="{FF2B5EF4-FFF2-40B4-BE49-F238E27FC236}">
+                <a16:creationId xmlns:a16="http://schemas.microsoft.com/office/drawing/2014/main" id="{058E6080-A775-4434-8DED-111A3D37816C}"/>
+              </a:ext>
+            </a:extLst>
+          </p:cNvPr>
+          <p:cNvPicPr>
+            <a:picLocks noChangeAspect="1"/>
+          </p:cNvPicPr>
+          <p:nvPr/>
+        </p:nvPicPr>
+        <p:blipFill>
+          <a:blip r:embed="rId2"/>
+          <a:stretch>
+            <a:fillRect/>
+          </a:stretch>
+        </p:blipFill>
+        <p:spPr>
+          <a:xfrm>
+            <a:off x="776300" y="2514828"/>
+            <a:ext cx="3733800" cy="2228850"/>
+          </a:xfrm>
+          <a:prstGeom prst="rect">
+            <a:avLst/>
+          </a:prstGeom>
+        </p:spPr>
+      </p:pic>
+      <p:sp>
+        <p:nvSpPr>
+          <p:cNvPr id="18" name="四角形: 角を丸くする 17">
+            <a:extLst>
+              <a:ext uri="{FF2B5EF4-FFF2-40B4-BE49-F238E27FC236}">
+                <a16:creationId xmlns:a16="http://schemas.microsoft.com/office/drawing/2014/main" id="{85922820-FE54-41B5-AB3E-651F57008BD4}"/>
+              </a:ext>
+            </a:extLst>
+          </p:cNvPr>
+          <p:cNvSpPr/>
+          <p:nvPr/>
+        </p:nvSpPr>
+        <p:spPr>
+          <a:xfrm>
+            <a:off x="5558429" y="2454580"/>
+            <a:ext cx="2943200" cy="405923"/>
+          </a:xfrm>
+          <a:prstGeom prst="roundRect">
+            <a:avLst/>
+          </a:prstGeom>
+          <a:ln>
+            <a:solidFill>
+              <a:srgbClr val="FF0000"/>
+            </a:solidFill>
+          </a:ln>
+        </p:spPr>
+        <p:style>
+          <a:lnRef idx="2">
+            <a:schemeClr val="accent1">
+              <a:shade val="50000"/>
+            </a:schemeClr>
+          </a:lnRef>
+          <a:fillRef idx="1">
+            <a:schemeClr val="accent1"/>
+          </a:fillRef>
+          <a:effectRef idx="0">
+            <a:schemeClr val="accent1"/>
+          </a:effectRef>
+          <a:fontRef idx="minor">
+            <a:schemeClr val="lt1"/>
+          </a:fontRef>
+        </p:style>
+        <p:txBody>
+          <a:bodyPr rtlCol="0" anchor="ctr"/>
+          <a:lstStyle/>
+          <a:p>
+            <a:pPr algn="ctr"/>
+            <a:r>
+              <a:rPr lang="ja-JP" altLang="en-US" dirty="0"/>
+              <a:t>ヘルプタブ用ヘルプファイル</a:t>
+            </a:r>
+            <a:endParaRPr lang="en-US" altLang="ja-JP" dirty="0"/>
+          </a:p>
+        </p:txBody>
+      </p:sp>
+      <p:cxnSp>
+        <p:nvCxnSpPr>
+          <p:cNvPr id="7" name="直線矢印コネクタ 6">
+            <a:extLst>
+              <a:ext uri="{FF2B5EF4-FFF2-40B4-BE49-F238E27FC236}">
+                <a16:creationId xmlns:a16="http://schemas.microsoft.com/office/drawing/2014/main" id="{ED432AB4-51DC-43C6-9D93-DD161F8A006A}"/>
+              </a:ext>
+            </a:extLst>
+          </p:cNvPr>
+          <p:cNvCxnSpPr>
+            <a:stCxn id="29" idx="1"/>
+          </p:cNvCxnSpPr>
+          <p:nvPr/>
+        </p:nvCxnSpPr>
+        <p:spPr>
+          <a:xfrm flipH="1">
+            <a:off x="2843808" y="1897106"/>
+            <a:ext cx="2714621" cy="1171854"/>
+          </a:xfrm>
+          <a:prstGeom prst="straightConnector1">
+            <a:avLst/>
+          </a:prstGeom>
+          <a:ln w="38100">
+            <a:solidFill>
+              <a:srgbClr val="FF0000"/>
+            </a:solidFill>
+            <a:tailEnd type="triangle"/>
+          </a:ln>
+        </p:spPr>
+        <p:style>
+          <a:lnRef idx="1">
+            <a:schemeClr val="accent1"/>
+          </a:lnRef>
+          <a:fillRef idx="0">
+            <a:schemeClr val="accent1"/>
+          </a:fillRef>
+          <a:effectRef idx="0">
+            <a:schemeClr val="accent1"/>
+          </a:effectRef>
+          <a:fontRef idx="minor">
+            <a:schemeClr val="tx1"/>
+          </a:fontRef>
+        </p:style>
+      </p:cxnSp>
+      <p:cxnSp>
+        <p:nvCxnSpPr>
+          <p:cNvPr id="20" name="直線矢印コネクタ 19">
+            <a:extLst>
+              <a:ext uri="{FF2B5EF4-FFF2-40B4-BE49-F238E27FC236}">
+                <a16:creationId xmlns:a16="http://schemas.microsoft.com/office/drawing/2014/main" id="{C98EF938-87F5-4B65-99E6-038EDC8A1653}"/>
+              </a:ext>
+            </a:extLst>
+          </p:cNvPr>
+          <p:cNvCxnSpPr>
+            <a:cxnSpLocks/>
+            <a:stCxn id="18" idx="1"/>
+          </p:cNvCxnSpPr>
+          <p:nvPr/>
+        </p:nvCxnSpPr>
+        <p:spPr>
+          <a:xfrm flipH="1">
+            <a:off x="2987824" y="2657542"/>
+            <a:ext cx="2570605" cy="723641"/>
+          </a:xfrm>
+          <a:prstGeom prst="straightConnector1">
+            <a:avLst/>
+          </a:prstGeom>
+          <a:ln w="38100">
+            <a:solidFill>
+              <a:srgbClr val="FF0000"/>
+            </a:solidFill>
+            <a:tailEnd type="triangle"/>
+          </a:ln>
+        </p:spPr>
+        <p:style>
+          <a:lnRef idx="1">
+            <a:schemeClr val="accent1"/>
+          </a:lnRef>
+          <a:fillRef idx="0">
+            <a:schemeClr val="accent1"/>
+          </a:fillRef>
+          <a:effectRef idx="0">
+            <a:schemeClr val="accent1"/>
+          </a:effectRef>
+          <a:fontRef idx="minor">
+            <a:schemeClr val="tx1"/>
+          </a:fontRef>
+        </p:style>
+      </p:cxnSp>
+      <p:cxnSp>
+        <p:nvCxnSpPr>
+          <p:cNvPr id="23" name="直線矢印コネクタ 22">
+            <a:extLst>
+              <a:ext uri="{FF2B5EF4-FFF2-40B4-BE49-F238E27FC236}">
+                <a16:creationId xmlns:a16="http://schemas.microsoft.com/office/drawing/2014/main" id="{A1ADE615-798C-4F7E-A737-D85BADADFB9F}"/>
+              </a:ext>
+            </a:extLst>
+          </p:cNvPr>
+          <p:cNvCxnSpPr>
+            <a:cxnSpLocks/>
+            <a:stCxn id="31" idx="1"/>
+          </p:cNvCxnSpPr>
+          <p:nvPr/>
+        </p:nvCxnSpPr>
+        <p:spPr>
+          <a:xfrm flipH="1">
+            <a:off x="3203849" y="3234052"/>
+            <a:ext cx="2354580" cy="317718"/>
+          </a:xfrm>
+          <a:prstGeom prst="straightConnector1">
+            <a:avLst/>
+          </a:prstGeom>
+          <a:ln w="38100">
+            <a:solidFill>
+              <a:srgbClr val="FF0000"/>
+            </a:solidFill>
+            <a:tailEnd type="triangle"/>
+          </a:ln>
+        </p:spPr>
+        <p:style>
+          <a:lnRef idx="1">
+            <a:schemeClr val="accent1"/>
+          </a:lnRef>
+          <a:fillRef idx="0">
+            <a:schemeClr val="accent1"/>
+          </a:fillRef>
+          <a:effectRef idx="0">
+            <a:schemeClr val="accent1"/>
+          </a:effectRef>
+          <a:fontRef idx="minor">
+            <a:schemeClr val="tx1"/>
+          </a:fontRef>
+        </p:style>
+      </p:cxnSp>
+      <p:cxnSp>
+        <p:nvCxnSpPr>
+          <p:cNvPr id="26" name="直線矢印コネクタ 25">
+            <a:extLst>
+              <a:ext uri="{FF2B5EF4-FFF2-40B4-BE49-F238E27FC236}">
+                <a16:creationId xmlns:a16="http://schemas.microsoft.com/office/drawing/2014/main" id="{51031C48-262B-4858-A7EB-E82EC3A3D6B5}"/>
+              </a:ext>
+            </a:extLst>
+          </p:cNvPr>
+          <p:cNvCxnSpPr>
+            <a:cxnSpLocks/>
+            <a:stCxn id="32" idx="1"/>
+          </p:cNvCxnSpPr>
+          <p:nvPr/>
+        </p:nvCxnSpPr>
+        <p:spPr>
+          <a:xfrm flipH="1" flipV="1">
+            <a:off x="3203849" y="3716390"/>
+            <a:ext cx="2354580" cy="94172"/>
+          </a:xfrm>
+          <a:prstGeom prst="straightConnector1">
+            <a:avLst/>
+          </a:prstGeom>
+          <a:ln w="38100">
+            <a:solidFill>
+              <a:srgbClr val="FF0000"/>
+            </a:solidFill>
+            <a:tailEnd type="triangle"/>
+          </a:ln>
+        </p:spPr>
+        <p:style>
+          <a:lnRef idx="1">
+            <a:schemeClr val="accent1"/>
+          </a:lnRef>
+          <a:fillRef idx="0">
+            <a:schemeClr val="accent1"/>
+          </a:fillRef>
+          <a:effectRef idx="0">
+            <a:schemeClr val="accent1"/>
+          </a:effectRef>
+          <a:fontRef idx="minor">
+            <a:schemeClr val="tx1"/>
+          </a:fontRef>
+        </p:style>
+      </p:cxnSp>
+      <p:cxnSp>
+        <p:nvCxnSpPr>
+          <p:cNvPr id="30" name="直線矢印コネクタ 29">
+            <a:extLst>
+              <a:ext uri="{FF2B5EF4-FFF2-40B4-BE49-F238E27FC236}">
+                <a16:creationId xmlns:a16="http://schemas.microsoft.com/office/drawing/2014/main" id="{15076861-574E-4B2A-8C3E-333C4531F2D0}"/>
+              </a:ext>
+            </a:extLst>
+          </p:cNvPr>
+          <p:cNvCxnSpPr>
+            <a:cxnSpLocks/>
+            <a:stCxn id="33" idx="1"/>
+          </p:cNvCxnSpPr>
+          <p:nvPr/>
+        </p:nvCxnSpPr>
+        <p:spPr>
+          <a:xfrm flipH="1" flipV="1">
+            <a:off x="3203849" y="3864956"/>
+            <a:ext cx="2354580" cy="522116"/>
+          </a:xfrm>
+          <a:prstGeom prst="straightConnector1">
+            <a:avLst/>
+          </a:prstGeom>
+          <a:ln w="38100">
+            <a:solidFill>
+              <a:srgbClr val="FF0000"/>
+            </a:solidFill>
+            <a:tailEnd type="triangle"/>
+          </a:ln>
+        </p:spPr>
+        <p:style>
+          <a:lnRef idx="1">
+            <a:schemeClr val="accent1"/>
+          </a:lnRef>
+          <a:fillRef idx="0">
+            <a:schemeClr val="accent1"/>
+          </a:fillRef>
+          <a:effectRef idx="0">
+            <a:schemeClr val="accent1"/>
+          </a:effectRef>
+          <a:fontRef idx="minor">
+            <a:schemeClr val="tx1"/>
+          </a:fontRef>
+        </p:style>
+      </p:cxnSp>
+      <p:cxnSp>
+        <p:nvCxnSpPr>
+          <p:cNvPr id="35" name="直線矢印コネクタ 34">
+            <a:extLst>
+              <a:ext uri="{FF2B5EF4-FFF2-40B4-BE49-F238E27FC236}">
+                <a16:creationId xmlns:a16="http://schemas.microsoft.com/office/drawing/2014/main" id="{183236DA-D699-4E23-B563-47389C9333B5}"/>
+              </a:ext>
+            </a:extLst>
+          </p:cNvPr>
+          <p:cNvCxnSpPr>
+            <a:cxnSpLocks/>
+            <a:stCxn id="34" idx="1"/>
+          </p:cNvCxnSpPr>
+          <p:nvPr/>
+        </p:nvCxnSpPr>
+        <p:spPr>
+          <a:xfrm flipH="1" flipV="1">
+            <a:off x="3585573" y="4067918"/>
+            <a:ext cx="1972856" cy="895664"/>
+          </a:xfrm>
+          <a:prstGeom prst="straightConnector1">
+            <a:avLst/>
+          </a:prstGeom>
+          <a:ln w="38100">
+            <a:solidFill>
+              <a:srgbClr val="FF0000"/>
+            </a:solidFill>
+            <a:tailEnd type="triangle"/>
+          </a:ln>
+        </p:spPr>
+        <p:style>
+          <a:lnRef idx="1">
+            <a:schemeClr val="accent1"/>
+          </a:lnRef>
+          <a:fillRef idx="0">
+            <a:schemeClr val="accent1"/>
+          </a:fillRef>
+          <a:effectRef idx="0">
+            <a:schemeClr val="accent1"/>
+          </a:effectRef>
+          <a:fontRef idx="minor">
+            <a:schemeClr val="tx1"/>
+          </a:fontRef>
+        </p:style>
+      </p:cxnSp>
     </p:spTree>
     <p:extLst>
       <p:ext uri="{BB962C8B-B14F-4D97-AF65-F5344CB8AC3E}">
